--- a/presentations/Data Structures and Algorithms.pptx
+++ b/presentations/Data Structures and Algorithms.pptx
@@ -14,20 +14,20 @@
     <p:sldId id="270" r:id="rId2"/>
     <p:sldId id="271" r:id="rId3"/>
     <p:sldId id="272" r:id="rId4"/>
-    <p:sldId id="319" r:id="rId5"/>
-    <p:sldId id="353" r:id="rId6"/>
-    <p:sldId id="354" r:id="rId7"/>
-    <p:sldId id="355" r:id="rId8"/>
-    <p:sldId id="356" r:id="rId9"/>
-    <p:sldId id="357" r:id="rId10"/>
-    <p:sldId id="358" r:id="rId11"/>
-    <p:sldId id="359" r:id="rId12"/>
-    <p:sldId id="294" r:id="rId13"/>
-    <p:sldId id="360" r:id="rId14"/>
-    <p:sldId id="361" r:id="rId15"/>
-    <p:sldId id="362" r:id="rId16"/>
-    <p:sldId id="363" r:id="rId17"/>
-    <p:sldId id="364" r:id="rId18"/>
+    <p:sldId id="294" r:id="rId5"/>
+    <p:sldId id="360" r:id="rId6"/>
+    <p:sldId id="361" r:id="rId7"/>
+    <p:sldId id="362" r:id="rId8"/>
+    <p:sldId id="363" r:id="rId9"/>
+    <p:sldId id="364" r:id="rId10"/>
+    <p:sldId id="319" r:id="rId11"/>
+    <p:sldId id="353" r:id="rId12"/>
+    <p:sldId id="354" r:id="rId13"/>
+    <p:sldId id="355" r:id="rId14"/>
+    <p:sldId id="356" r:id="rId15"/>
+    <p:sldId id="357" r:id="rId16"/>
+    <p:sldId id="358" r:id="rId17"/>
+    <p:sldId id="359" r:id="rId18"/>
     <p:sldId id="305" r:id="rId19"/>
     <p:sldId id="366" r:id="rId20"/>
     <p:sldId id="365" r:id="rId21"/>
@@ -8815,12 +8815,12 @@
       </p:grpSpPr>
       <p:sp>
         <p:nvSpPr>
-          <p:cNvPr id="2" name="Content Placeholder 1"/>
-          <p:cNvSpPr>
-            <a:spLocks noGrp="1"/>
-          </p:cNvSpPr>
-          <p:nvPr>
-            <p:ph sz="half" idx="1"/>
+          <p:cNvPr id="2" name="Title 1"/>
+          <p:cNvSpPr>
+            <a:spLocks noGrp="1"/>
+          </p:cNvSpPr>
+          <p:nvPr>
+            <p:ph type="ctrTitle"/>
           </p:nvPr>
         </p:nvSpPr>
         <p:spPr/>
@@ -8830,63 +8830,7 @@
           <a:p>
             <a:r>
               <a:rPr lang="en-US" dirty="0" smtClean="0"/>
-              <a:t>Nodes with no children are called </a:t>
-            </a:r>
-            <a:r>
-              <a:rPr lang="en-US" i="1" dirty="0" smtClean="0"/>
-              <a:t>leaves</a:t>
-            </a:r>
-          </a:p>
-          <a:p>
-            <a:r>
-              <a:rPr lang="en-US" dirty="0" smtClean="0"/>
-              <a:t>A </a:t>
-            </a:r>
-            <a:r>
-              <a:rPr lang="en-US" i="1" dirty="0" smtClean="0"/>
-              <a:t>path </a:t>
-            </a:r>
-            <a:r>
-              <a:rPr lang="en-US" dirty="0" smtClean="0"/>
-              <a:t>is a sequence of nodes</a:t>
-            </a:r>
-          </a:p>
-          <a:p>
-            <a:r>
-              <a:rPr lang="en-US" dirty="0" smtClean="0"/>
-              <a:t>A path has a </a:t>
-            </a:r>
-            <a:r>
-              <a:rPr lang="en-US" i="1" dirty="0" smtClean="0"/>
-              <a:t>length</a:t>
-            </a:r>
-          </a:p>
-          <a:p>
-            <a:r>
-              <a:rPr lang="en-US" dirty="0" smtClean="0"/>
-              <a:t>The </a:t>
-            </a:r>
-            <a:r>
-              <a:rPr lang="en-US" i="1" dirty="0" smtClean="0"/>
-              <a:t>depth</a:t>
-            </a:r>
-            <a:r>
-              <a:rPr lang="en-US" dirty="0" smtClean="0"/>
-              <a:t> of a node is the length from it to the root</a:t>
-            </a:r>
-          </a:p>
-          <a:p>
-            <a:r>
-              <a:rPr lang="en-US" dirty="0" smtClean="0"/>
-              <a:t>The </a:t>
-            </a:r>
-            <a:r>
-              <a:rPr lang="en-US" i="1" dirty="0" smtClean="0"/>
-              <a:t>height </a:t>
-            </a:r>
-            <a:r>
-              <a:rPr lang="en-US" dirty="0" smtClean="0"/>
-              <a:t>of a node is the greatest depth</a:t>
+              <a:t>DATA STRUCTURES</a:t>
             </a:r>
             <a:endParaRPr lang="en-US" dirty="0"/>
           </a:p>
@@ -8894,12 +8838,12 @@
       </p:sp>
       <p:sp>
         <p:nvSpPr>
-          <p:cNvPr id="4" name="Title 3"/>
-          <p:cNvSpPr>
-            <a:spLocks noGrp="1"/>
-          </p:cNvSpPr>
-          <p:nvPr>
-            <p:ph type="title"/>
+          <p:cNvPr id="6" name="Subtitle 5"/>
+          <p:cNvSpPr>
+            <a:spLocks noGrp="1"/>
+          </p:cNvSpPr>
+          <p:nvPr>
+            <p:ph type="subTitle" idx="1"/>
           </p:nvPr>
         </p:nvSpPr>
         <p:spPr/>
@@ -8907,53 +8851,137 @@
           <a:bodyPr/>
           <a:lstStyle/>
           <a:p>
-            <a:r>
-              <a:rPr lang="en-US" dirty="0" smtClean="0"/>
-              <a:t>Data Structures – Trees </a:t>
-            </a:r>
-            <a:endParaRPr lang="en-US" dirty="0"/>
-          </a:p>
-        </p:txBody>
-      </p:sp>
-      <p:pic>
-        <p:nvPicPr>
-          <p:cNvPr id="5" name="Content Placeholder 4"/>
-          <p:cNvPicPr>
-            <a:picLocks noGrp="1" noChangeAspect="1"/>
-          </p:cNvPicPr>
-          <p:nvPr>
-            <p:ph sz="half" idx="2"/>
-          </p:nvPr>
-        </p:nvPicPr>
-        <p:blipFill>
-          <a:blip r:embed="rId2">
-            <a:extLst>
-              <a:ext uri="{28A0092B-C50C-407E-A947-70E740481C1C}">
-                <a14:useLocalDpi xmlns:a14="http://schemas.microsoft.com/office/drawing/2010/main" val="0"/>
-              </a:ext>
-            </a:extLst>
-          </a:blip>
-          <a:stretch>
-            <a:fillRect/>
-          </a:stretch>
-        </p:blipFill>
+            <a:endParaRPr lang="en-US"/>
+          </a:p>
+        </p:txBody>
+      </p:sp>
+      <p:sp>
+        <p:nvSpPr>
+          <p:cNvPr id="3" name="Text Placeholder 2"/>
+          <p:cNvSpPr>
+            <a:spLocks noGrp="1"/>
+          </p:cNvSpPr>
+          <p:nvPr>
+            <p:ph type="body" sz="quarter" idx="11"/>
+          </p:nvPr>
+        </p:nvSpPr>
+        <p:spPr/>
+        <p:txBody>
+          <a:bodyPr/>
+          <a:lstStyle/>
+          <a:p>
+            <a:r>
+              <a:rPr lang="en-US" dirty="0"/>
+              <a:t>Data Structures &amp; Algorithms</a:t>
+            </a:r>
+          </a:p>
+        </p:txBody>
+      </p:sp>
+      <p:sp>
+        <p:nvSpPr>
+          <p:cNvPr id="7" name="Text Placeholder 6"/>
+          <p:cNvSpPr>
+            <a:spLocks noGrp="1"/>
+          </p:cNvSpPr>
+          <p:nvPr>
+            <p:ph type="body" sz="quarter" idx="12"/>
+          </p:nvPr>
+        </p:nvSpPr>
+        <p:spPr/>
+        <p:txBody>
+          <a:bodyPr/>
+          <a:lstStyle/>
+          <a:p>
+            <a:endParaRPr lang="en-US"/>
+          </a:p>
+        </p:txBody>
+      </p:sp>
+      <p:sp>
+        <p:nvSpPr>
+          <p:cNvPr id="8" name="Text Placeholder 7"/>
+          <p:cNvSpPr>
+            <a:spLocks noGrp="1"/>
+          </p:cNvSpPr>
+          <p:nvPr>
+            <p:ph type="body" sz="quarter" idx="13"/>
+          </p:nvPr>
+        </p:nvSpPr>
+        <p:spPr/>
+        <p:txBody>
+          <a:bodyPr/>
+          <a:lstStyle/>
+          <a:p>
+            <a:endParaRPr lang="en-US"/>
+          </a:p>
+        </p:txBody>
+      </p:sp>
+      <p:sp>
+        <p:nvSpPr>
+          <p:cNvPr id="9" name="Text Placeholder 8"/>
+          <p:cNvSpPr>
+            <a:spLocks noGrp="1"/>
+          </p:cNvSpPr>
+          <p:nvPr>
+            <p:ph type="body" sz="quarter" idx="14"/>
+          </p:nvPr>
+        </p:nvSpPr>
+        <p:spPr/>
+        <p:txBody>
+          <a:bodyPr/>
+          <a:lstStyle/>
+          <a:p>
+            <a:endParaRPr lang="en-US"/>
+          </a:p>
+        </p:txBody>
+      </p:sp>
+      <p:sp>
+        <p:nvSpPr>
+          <p:cNvPr id="4" name="Date Placeholder 3"/>
+          <p:cNvSpPr>
+            <a:spLocks noGrp="1"/>
+          </p:cNvSpPr>
+          <p:nvPr>
+            <p:ph type="dt" sz="half" idx="4294967295"/>
+          </p:nvPr>
+        </p:nvSpPr>
         <p:spPr>
           <a:xfrm>
-            <a:off x="4648200" y="1994822"/>
-            <a:ext cx="4210050" cy="3055681"/>
-          </a:xfrm>
-        </p:spPr>
-      </p:pic>
+            <a:off x="0" y="6356350"/>
+            <a:ext cx="2133600" cy="365125"/>
+          </a:xfrm>
+          <a:prstGeom prst="rect">
+            <a:avLst/>
+          </a:prstGeom>
+        </p:spPr>
+        <p:txBody>
+          <a:bodyPr/>
+          <a:lstStyle/>
+          <a:p>
+            <a:fld id="{903FB963-19E3-4C2B-B74A-C5AA75DA03F5}" type="datetime1">
+              <a:rPr lang="en-US" smtClean="0"/>
+              <a:t>10/9/15</a:t>
+            </a:fld>
+            <a:endParaRPr lang="en-US"/>
+          </a:p>
+        </p:txBody>
+      </p:sp>
     </p:spTree>
     <p:extLst>
       <p:ext uri="{BB962C8B-B14F-4D97-AF65-F5344CB8AC3E}">
-        <p14:creationId xmlns:p14="http://schemas.microsoft.com/office/powerpoint/2010/main" val="1814267767"/>
+        <p14:creationId xmlns:p14="http://schemas.microsoft.com/office/powerpoint/2010/main" val="549378166"/>
       </p:ext>
     </p:extLst>
   </p:cSld>
   <p:clrMapOvr>
     <a:masterClrMapping/>
   </p:clrMapOvr>
+  <p:timing>
+    <p:tnLst>
+      <p:par>
+        <p:cTn id="1" dur="indefinite" restart="never" nodeType="tmRoot"/>
+      </p:par>
+    </p:tnLst>
+  </p:timing>
 </p:sld>
 </file>
 
@@ -8991,42 +9019,33 @@
           <a:p>
             <a:r>
               <a:rPr lang="en-US" dirty="0" smtClean="0"/>
-              <a:t>A tree node contains links to all of its children</a:t>
-            </a:r>
-          </a:p>
-          <a:p>
-            <a:r>
-              <a:rPr lang="en-US" dirty="0" smtClean="0"/>
-              <a:t>How would you implement that?</a:t>
-            </a:r>
-          </a:p>
-          <a:p>
-            <a:r>
-              <a:rPr lang="en-US" dirty="0" smtClean="0"/>
-              <a:t>What are some use cases?</a:t>
-            </a:r>
-            <a:endParaRPr lang="en-US" dirty="0"/>
-          </a:p>
-        </p:txBody>
-      </p:sp>
-      <p:sp>
-        <p:nvSpPr>
-          <p:cNvPr id="4" name="Title 3"/>
-          <p:cNvSpPr>
-            <a:spLocks noGrp="1"/>
-          </p:cNvSpPr>
-          <p:nvPr>
-            <p:ph type="title"/>
-          </p:nvPr>
-        </p:nvSpPr>
-        <p:spPr/>
-        <p:txBody>
-          <a:bodyPr/>
-          <a:lstStyle/>
-          <a:p>
-            <a:r>
-              <a:rPr lang="en-US" dirty="0" smtClean="0"/>
-              <a:t>Data Structures – Trees </a:t>
+              <a:t>Data structures are used to organize data for efficient access</a:t>
+            </a:r>
+          </a:p>
+          <a:p>
+            <a:r>
+              <a:rPr lang="en-US" dirty="0" smtClean="0"/>
+              <a:t>Referred to as </a:t>
+            </a:r>
+            <a:r>
+              <a:rPr lang="en-US" i="1" dirty="0" smtClean="0"/>
+              <a:t>Abstract Data Types </a:t>
+            </a:r>
+            <a:r>
+              <a:rPr lang="en-US" dirty="0" smtClean="0"/>
+              <a:t>(ADTs)</a:t>
+            </a:r>
+          </a:p>
+          <a:p>
+            <a:r>
+              <a:rPr lang="en-US" dirty="0" smtClean="0"/>
+              <a:t>Some structures have very broad use cases, others are specialized</a:t>
+            </a:r>
+          </a:p>
+          <a:p>
+            <a:r>
+              <a:rPr lang="en-US" dirty="0" smtClean="0"/>
+              <a:t>Lists, Stacks, Queues and Trees</a:t>
             </a:r>
             <a:endParaRPr lang="en-US" dirty="0"/>
           </a:p>
@@ -9061,10 +9080,33 @@
           </a:xfrm>
         </p:spPr>
       </p:pic>
+      <p:sp>
+        <p:nvSpPr>
+          <p:cNvPr id="4" name="Title 3"/>
+          <p:cNvSpPr>
+            <a:spLocks noGrp="1"/>
+          </p:cNvSpPr>
+          <p:nvPr>
+            <p:ph type="title"/>
+          </p:nvPr>
+        </p:nvSpPr>
+        <p:spPr/>
+        <p:txBody>
+          <a:bodyPr/>
+          <a:lstStyle/>
+          <a:p>
+            <a:r>
+              <a:rPr lang="en-US" dirty="0" smtClean="0"/>
+              <a:t>DATA STRUCTURES</a:t>
+            </a:r>
+            <a:endParaRPr lang="en-US" dirty="0"/>
+          </a:p>
+        </p:txBody>
+      </p:sp>
     </p:spTree>
     <p:extLst>
       <p:ext uri="{BB962C8B-B14F-4D97-AF65-F5344CB8AC3E}">
-        <p14:creationId xmlns:p14="http://schemas.microsoft.com/office/powerpoint/2010/main" val="1863042253"/>
+        <p14:creationId xmlns:p14="http://schemas.microsoft.com/office/powerpoint/2010/main" val="838495841"/>
       </p:ext>
     </p:extLst>
   </p:cSld>
@@ -9093,179 +9135,111 @@
       </p:grpSpPr>
       <p:sp>
         <p:nvSpPr>
-          <p:cNvPr id="2" name="Title 1"/>
-          <p:cNvSpPr>
-            <a:spLocks noGrp="1"/>
-          </p:cNvSpPr>
-          <p:nvPr>
-            <p:ph type="ctrTitle"/>
-          </p:nvPr>
-        </p:nvSpPr>
-        <p:spPr>
-          <a:xfrm>
-            <a:off x="356807" y="1647649"/>
-            <a:ext cx="8449056" cy="522288"/>
-          </a:xfrm>
-        </p:spPr>
+          <p:cNvPr id="2" name="Content Placeholder 1"/>
+          <p:cNvSpPr>
+            <a:spLocks noGrp="1"/>
+          </p:cNvSpPr>
+          <p:nvPr>
+            <p:ph idx="1"/>
+          </p:nvPr>
+        </p:nvSpPr>
+        <p:spPr/>
         <p:txBody>
           <a:bodyPr/>
           <a:lstStyle/>
           <a:p>
             <a:r>
               <a:rPr lang="en-US" dirty="0" smtClean="0"/>
-              <a:t>JAVA ARRAYS &amp; COLLECTIONS</a:t>
+              <a:t>Most list come in one of two flavors: </a:t>
+            </a:r>
+            <a:r>
+              <a:rPr lang="en-US" i="1" dirty="0" smtClean="0"/>
+              <a:t>Array </a:t>
+            </a:r>
+            <a:r>
+              <a:rPr lang="en-US" dirty="0" smtClean="0"/>
+              <a:t>or </a:t>
+            </a:r>
+            <a:r>
+              <a:rPr lang="en-US" i="1" dirty="0" smtClean="0"/>
+              <a:t>Linked</a:t>
+            </a:r>
+          </a:p>
+          <a:p>
+            <a:pPr marL="0" indent="0">
+              <a:buNone/>
+            </a:pPr>
+            <a:endParaRPr lang="en-US" i="1" dirty="0" smtClean="0"/>
+          </a:p>
+          <a:p>
+            <a:r>
+              <a:rPr lang="en-US" dirty="0" smtClean="0"/>
+              <a:t>Array lists are stored in contiguous memory</a:t>
+            </a:r>
+          </a:p>
+          <a:p>
+            <a:r>
+              <a:rPr lang="en-US" dirty="0" smtClean="0"/>
+              <a:t>Array lists offer quick access to stored elements, but are slow to insert and delete anywhere but the end</a:t>
+            </a:r>
+          </a:p>
+          <a:p>
+            <a:pPr marL="0" indent="0">
+              <a:buNone/>
+            </a:pPr>
+            <a:endParaRPr lang="en-US" dirty="0" smtClean="0"/>
+          </a:p>
+          <a:p>
+            <a:r>
+              <a:rPr lang="en-US" dirty="0" smtClean="0"/>
+              <a:t>Linked lists are not stored in contiguous memory; instead they contain the address of the next node</a:t>
+            </a:r>
+          </a:p>
+          <a:p>
+            <a:r>
+              <a:rPr lang="en-US" dirty="0" smtClean="0"/>
+              <a:t>Linked lists sacrifice some of the access time for quick inserts and deletes</a:t>
+            </a:r>
+          </a:p>
+        </p:txBody>
+      </p:sp>
+      <p:sp>
+        <p:nvSpPr>
+          <p:cNvPr id="4" name="Title 3"/>
+          <p:cNvSpPr>
+            <a:spLocks noGrp="1"/>
+          </p:cNvSpPr>
+          <p:nvPr>
+            <p:ph type="title"/>
+          </p:nvPr>
+        </p:nvSpPr>
+        <p:spPr/>
+        <p:txBody>
+          <a:bodyPr/>
+          <a:lstStyle/>
+          <a:p>
+            <a:r>
+              <a:rPr lang="en-US" dirty="0"/>
+              <a:t>DATA </a:t>
+            </a:r>
+            <a:r>
+              <a:rPr lang="en-US" dirty="0" smtClean="0"/>
+              <a:t>STRUCTURES - Lists</a:t>
             </a:r>
             <a:endParaRPr lang="en-US" dirty="0"/>
-          </a:p>
-        </p:txBody>
-      </p:sp>
-      <p:sp>
-        <p:nvSpPr>
-          <p:cNvPr id="6" name="Subtitle 5"/>
-          <p:cNvSpPr>
-            <a:spLocks noGrp="1"/>
-          </p:cNvSpPr>
-          <p:nvPr>
-            <p:ph type="subTitle" idx="1"/>
-          </p:nvPr>
-        </p:nvSpPr>
-        <p:spPr/>
-        <p:txBody>
-          <a:bodyPr/>
-          <a:lstStyle/>
-          <a:p>
-            <a:endParaRPr lang="en-US"/>
-          </a:p>
-        </p:txBody>
-      </p:sp>
-      <p:sp>
-        <p:nvSpPr>
-          <p:cNvPr id="3" name="Text Placeholder 2"/>
-          <p:cNvSpPr>
-            <a:spLocks noGrp="1"/>
-          </p:cNvSpPr>
-          <p:nvPr>
-            <p:ph type="body" sz="quarter" idx="11"/>
-          </p:nvPr>
-        </p:nvSpPr>
-        <p:spPr/>
-        <p:txBody>
-          <a:bodyPr/>
-          <a:lstStyle/>
-          <a:p>
-            <a:r>
-              <a:rPr lang="en-US" dirty="0"/>
-              <a:t>Data Structures &amp; Algorithms</a:t>
-            </a:r>
-            <a:endParaRPr lang="en-US" dirty="0" smtClean="0"/>
-          </a:p>
-        </p:txBody>
-      </p:sp>
-      <p:sp>
-        <p:nvSpPr>
-          <p:cNvPr id="7" name="Text Placeholder 6"/>
-          <p:cNvSpPr>
-            <a:spLocks noGrp="1"/>
-          </p:cNvSpPr>
-          <p:nvPr>
-            <p:ph type="body" sz="quarter" idx="12"/>
-          </p:nvPr>
-        </p:nvSpPr>
-        <p:spPr/>
-        <p:txBody>
-          <a:bodyPr/>
-          <a:lstStyle/>
-          <a:p>
-            <a:endParaRPr lang="en-US"/>
-          </a:p>
-        </p:txBody>
-      </p:sp>
-      <p:sp>
-        <p:nvSpPr>
-          <p:cNvPr id="8" name="Text Placeholder 7"/>
-          <p:cNvSpPr>
-            <a:spLocks noGrp="1"/>
-          </p:cNvSpPr>
-          <p:nvPr>
-            <p:ph type="body" sz="quarter" idx="13"/>
-          </p:nvPr>
-        </p:nvSpPr>
-        <p:spPr/>
-        <p:txBody>
-          <a:bodyPr/>
-          <a:lstStyle/>
-          <a:p>
-            <a:endParaRPr lang="en-US"/>
-          </a:p>
-        </p:txBody>
-      </p:sp>
-      <p:sp>
-        <p:nvSpPr>
-          <p:cNvPr id="9" name="Text Placeholder 8"/>
-          <p:cNvSpPr>
-            <a:spLocks noGrp="1"/>
-          </p:cNvSpPr>
-          <p:nvPr>
-            <p:ph type="body" sz="quarter" idx="14"/>
-          </p:nvPr>
-        </p:nvSpPr>
-        <p:spPr/>
-        <p:txBody>
-          <a:bodyPr/>
-          <a:lstStyle/>
-          <a:p>
-            <a:endParaRPr lang="en-US"/>
-          </a:p>
-        </p:txBody>
-      </p:sp>
-      <p:sp>
-        <p:nvSpPr>
-          <p:cNvPr id="4" name="Date Placeholder 3"/>
-          <p:cNvSpPr>
-            <a:spLocks noGrp="1"/>
-          </p:cNvSpPr>
-          <p:nvPr>
-            <p:ph type="dt" sz="half" idx="4294967295"/>
-          </p:nvPr>
-        </p:nvSpPr>
-        <p:spPr>
-          <a:xfrm>
-            <a:off x="0" y="6356350"/>
-            <a:ext cx="2133600" cy="365125"/>
-          </a:xfrm>
-          <a:prstGeom prst="rect">
-            <a:avLst/>
-          </a:prstGeom>
-        </p:spPr>
-        <p:txBody>
-          <a:bodyPr/>
-          <a:lstStyle/>
-          <a:p>
-            <a:fld id="{16912949-A220-4034-8649-208A606199B7}" type="datetime1">
-              <a:rPr lang="en-US" smtClean="0"/>
-              <a:t>10/9/15</a:t>
-            </a:fld>
-            <a:endParaRPr lang="en-US"/>
           </a:p>
         </p:txBody>
       </p:sp>
     </p:spTree>
     <p:extLst>
       <p:ext uri="{BB962C8B-B14F-4D97-AF65-F5344CB8AC3E}">
-        <p14:creationId xmlns:p14="http://schemas.microsoft.com/office/powerpoint/2010/main" val="3965990881"/>
+        <p14:creationId xmlns:p14="http://schemas.microsoft.com/office/powerpoint/2010/main" val="2121458535"/>
       </p:ext>
     </p:extLst>
   </p:cSld>
   <p:clrMapOvr>
     <a:masterClrMapping/>
   </p:clrMapOvr>
-  <p:timing>
-    <p:tnLst>
-      <p:par>
-        <p:cTn id="1" dur="indefinite" restart="never" nodeType="tmRoot"/>
-      </p:par>
-    </p:tnLst>
-  </p:timing>
 </p:sld>
 </file>
 
@@ -9288,12 +9262,12 @@
       </p:grpSpPr>
       <p:sp>
         <p:nvSpPr>
-          <p:cNvPr id="2" name="Content Placeholder 1"/>
-          <p:cNvSpPr>
-            <a:spLocks noGrp="1"/>
-          </p:cNvSpPr>
-          <p:nvPr>
-            <p:ph idx="1"/>
+          <p:cNvPr id="5" name="Content Placeholder 4"/>
+          <p:cNvSpPr>
+            <a:spLocks noGrp="1"/>
+          </p:cNvSpPr>
+          <p:nvPr>
+            <p:ph sz="half" idx="1"/>
           </p:nvPr>
         </p:nvSpPr>
         <p:spPr/>
@@ -9303,479 +9277,93 @@
           <a:p>
             <a:r>
               <a:rPr lang="en-US" dirty="0" smtClean="0"/>
-              <a:t>A Java array can be of any type, but is fixed in size from the moment of creation</a:t>
-            </a:r>
-          </a:p>
-          <a:p>
-            <a:pPr marL="0" indent="0">
-              <a:buNone/>
-            </a:pPr>
-            <a:r>
-              <a:rPr lang="en-US" sz="1600" dirty="0" smtClean="0">
-                <a:latin typeface="Courier New" charset="0"/>
-                <a:ea typeface="Courier New" charset="0"/>
-                <a:cs typeface="Courier New" charset="0"/>
-              </a:rPr>
-              <a:t>Public class </a:t>
-            </a:r>
-            <a:r>
-              <a:rPr lang="en-US" sz="1600" dirty="0" err="1">
-                <a:latin typeface="Courier New" charset="0"/>
-                <a:ea typeface="Courier New" charset="0"/>
-                <a:cs typeface="Courier New" charset="0"/>
-              </a:rPr>
-              <a:t>ArrayDemo</a:t>
-            </a:r>
-            <a:r>
-              <a:rPr lang="en-US" sz="1600" dirty="0">
-                <a:latin typeface="Courier New" charset="0"/>
-                <a:ea typeface="Courier New" charset="0"/>
-                <a:cs typeface="Courier New" charset="0"/>
-              </a:rPr>
-              <a:t> { </a:t>
-            </a:r>
-            <a:endParaRPr lang="en-US" sz="1600" dirty="0" smtClean="0">
-              <a:latin typeface="Courier New" charset="0"/>
-              <a:ea typeface="Courier New" charset="0"/>
-              <a:cs typeface="Courier New" charset="0"/>
-            </a:endParaRPr>
-          </a:p>
-          <a:p>
-            <a:pPr marL="0" indent="0">
-              <a:buNone/>
-            </a:pPr>
-            <a:r>
-              <a:rPr lang="en-US" sz="1600" dirty="0">
-                <a:latin typeface="Courier New" charset="0"/>
-                <a:ea typeface="Courier New" charset="0"/>
-                <a:cs typeface="Courier New" charset="0"/>
-              </a:rPr>
-              <a:t>	</a:t>
-            </a:r>
-            <a:r>
-              <a:rPr lang="en-US" sz="1600" dirty="0" smtClean="0">
-                <a:latin typeface="Courier New" charset="0"/>
-                <a:ea typeface="Courier New" charset="0"/>
-                <a:cs typeface="Courier New" charset="0"/>
-              </a:rPr>
-              <a:t>public </a:t>
-            </a:r>
-            <a:r>
-              <a:rPr lang="en-US" sz="1600" dirty="0">
-                <a:latin typeface="Courier New" charset="0"/>
-                <a:ea typeface="Courier New" charset="0"/>
-                <a:cs typeface="Courier New" charset="0"/>
-              </a:rPr>
-              <a:t>static void main(String[] </a:t>
-            </a:r>
-            <a:r>
-              <a:rPr lang="en-US" sz="1600" dirty="0" err="1">
-                <a:latin typeface="Courier New" charset="0"/>
-                <a:ea typeface="Courier New" charset="0"/>
-                <a:cs typeface="Courier New" charset="0"/>
-              </a:rPr>
-              <a:t>args</a:t>
-            </a:r>
-            <a:r>
-              <a:rPr lang="en-US" sz="1600" dirty="0">
-                <a:latin typeface="Courier New" charset="0"/>
-                <a:ea typeface="Courier New" charset="0"/>
-                <a:cs typeface="Courier New" charset="0"/>
-              </a:rPr>
-              <a:t>) { </a:t>
-            </a:r>
-            <a:endParaRPr lang="en-US" sz="1600" dirty="0" smtClean="0">
-              <a:latin typeface="Courier New" charset="0"/>
-              <a:ea typeface="Courier New" charset="0"/>
-              <a:cs typeface="Courier New" charset="0"/>
-            </a:endParaRPr>
-          </a:p>
-          <a:p>
-            <a:pPr marL="0" indent="0">
-              <a:buNone/>
-            </a:pPr>
-            <a:r>
-              <a:rPr lang="en-US" sz="1600" dirty="0">
-                <a:latin typeface="Courier New" charset="0"/>
-                <a:ea typeface="Courier New" charset="0"/>
-                <a:cs typeface="Courier New" charset="0"/>
-              </a:rPr>
-              <a:t>	</a:t>
-            </a:r>
-            <a:r>
-              <a:rPr lang="en-US" sz="1600" dirty="0" smtClean="0">
-                <a:latin typeface="Courier New" charset="0"/>
-                <a:ea typeface="Courier New" charset="0"/>
-                <a:cs typeface="Courier New" charset="0"/>
-              </a:rPr>
-              <a:t>	// </a:t>
-            </a:r>
-            <a:r>
-              <a:rPr lang="en-US" sz="1600" dirty="0">
-                <a:latin typeface="Courier New" charset="0"/>
-                <a:ea typeface="Courier New" charset="0"/>
-                <a:cs typeface="Courier New" charset="0"/>
-              </a:rPr>
-              <a:t>declares an array of integers </a:t>
-            </a:r>
-            <a:endParaRPr lang="en-US" sz="1600" dirty="0" smtClean="0">
-              <a:latin typeface="Courier New" charset="0"/>
-              <a:ea typeface="Courier New" charset="0"/>
-              <a:cs typeface="Courier New" charset="0"/>
-            </a:endParaRPr>
-          </a:p>
-          <a:p>
-            <a:pPr marL="0" indent="0">
-              <a:buNone/>
-            </a:pPr>
-            <a:r>
-              <a:rPr lang="en-US" sz="1600" dirty="0">
-                <a:latin typeface="Courier New" charset="0"/>
-                <a:ea typeface="Courier New" charset="0"/>
-                <a:cs typeface="Courier New" charset="0"/>
-              </a:rPr>
-              <a:t>	</a:t>
-            </a:r>
-            <a:r>
-              <a:rPr lang="en-US" sz="1600" dirty="0" smtClean="0">
-                <a:latin typeface="Courier New" charset="0"/>
-                <a:ea typeface="Courier New" charset="0"/>
-                <a:cs typeface="Courier New" charset="0"/>
-              </a:rPr>
-              <a:t>	</a:t>
-            </a:r>
-            <a:r>
-              <a:rPr lang="en-US" sz="1600" dirty="0" err="1" smtClean="0">
-                <a:latin typeface="Courier New" charset="0"/>
-                <a:ea typeface="Courier New" charset="0"/>
-                <a:cs typeface="Courier New" charset="0"/>
-              </a:rPr>
-              <a:t>int</a:t>
-            </a:r>
-            <a:r>
-              <a:rPr lang="en-US" sz="1600" dirty="0">
-                <a:latin typeface="Courier New" charset="0"/>
-                <a:ea typeface="Courier New" charset="0"/>
-                <a:cs typeface="Courier New" charset="0"/>
-              </a:rPr>
-              <a:t>[] </a:t>
-            </a:r>
-            <a:r>
-              <a:rPr lang="en-US" sz="1600" dirty="0" err="1">
-                <a:latin typeface="Courier New" charset="0"/>
-                <a:ea typeface="Courier New" charset="0"/>
-                <a:cs typeface="Courier New" charset="0"/>
-              </a:rPr>
-              <a:t>anArray</a:t>
-            </a:r>
-            <a:r>
-              <a:rPr lang="en-US" sz="1600" dirty="0">
-                <a:latin typeface="Courier New" charset="0"/>
-                <a:ea typeface="Courier New" charset="0"/>
-                <a:cs typeface="Courier New" charset="0"/>
-              </a:rPr>
-              <a:t>; </a:t>
-            </a:r>
-            <a:endParaRPr lang="en-US" sz="1600" dirty="0" smtClean="0">
-              <a:latin typeface="Courier New" charset="0"/>
-              <a:ea typeface="Courier New" charset="0"/>
-              <a:cs typeface="Courier New" charset="0"/>
-            </a:endParaRPr>
-          </a:p>
-          <a:p>
-            <a:pPr marL="0" indent="0">
-              <a:buNone/>
-            </a:pPr>
-            <a:r>
-              <a:rPr lang="en-US" sz="1600" dirty="0">
-                <a:latin typeface="Courier New" charset="0"/>
-                <a:ea typeface="Courier New" charset="0"/>
-                <a:cs typeface="Courier New" charset="0"/>
-              </a:rPr>
-              <a:t>	</a:t>
-            </a:r>
-            <a:r>
-              <a:rPr lang="en-US" sz="1600" dirty="0" smtClean="0">
-                <a:latin typeface="Courier New" charset="0"/>
-                <a:ea typeface="Courier New" charset="0"/>
-                <a:cs typeface="Courier New" charset="0"/>
-              </a:rPr>
-              <a:t>	// </a:t>
-            </a:r>
-            <a:r>
-              <a:rPr lang="en-US" sz="1600" dirty="0">
-                <a:latin typeface="Courier New" charset="0"/>
-                <a:ea typeface="Courier New" charset="0"/>
-                <a:cs typeface="Courier New" charset="0"/>
-              </a:rPr>
-              <a:t>allocates memory for 10 integers </a:t>
-            </a:r>
-            <a:endParaRPr lang="en-US" sz="1600" dirty="0" smtClean="0">
-              <a:latin typeface="Courier New" charset="0"/>
-              <a:ea typeface="Courier New" charset="0"/>
-              <a:cs typeface="Courier New" charset="0"/>
-            </a:endParaRPr>
-          </a:p>
-          <a:p>
-            <a:pPr marL="0" indent="0">
-              <a:buNone/>
-            </a:pPr>
-            <a:r>
-              <a:rPr lang="en-US" sz="1600" dirty="0">
-                <a:latin typeface="Courier New" charset="0"/>
-                <a:ea typeface="Courier New" charset="0"/>
-                <a:cs typeface="Courier New" charset="0"/>
-              </a:rPr>
-              <a:t>	</a:t>
-            </a:r>
-            <a:r>
-              <a:rPr lang="en-US" sz="1600" dirty="0" smtClean="0">
-                <a:latin typeface="Courier New" charset="0"/>
-                <a:ea typeface="Courier New" charset="0"/>
-                <a:cs typeface="Courier New" charset="0"/>
-              </a:rPr>
-              <a:t>	</a:t>
-            </a:r>
-            <a:r>
-              <a:rPr lang="en-US" sz="1600" dirty="0" err="1" smtClean="0">
-                <a:latin typeface="Courier New" charset="0"/>
-                <a:ea typeface="Courier New" charset="0"/>
-                <a:cs typeface="Courier New" charset="0"/>
-              </a:rPr>
-              <a:t>anArray</a:t>
-            </a:r>
-            <a:r>
-              <a:rPr lang="en-US" sz="1600" dirty="0" smtClean="0">
-                <a:latin typeface="Courier New" charset="0"/>
-                <a:ea typeface="Courier New" charset="0"/>
-                <a:cs typeface="Courier New" charset="0"/>
-              </a:rPr>
-              <a:t> </a:t>
-            </a:r>
-            <a:r>
-              <a:rPr lang="en-US" sz="1600" dirty="0">
-                <a:latin typeface="Courier New" charset="0"/>
-                <a:ea typeface="Courier New" charset="0"/>
-                <a:cs typeface="Courier New" charset="0"/>
-              </a:rPr>
-              <a:t>= new </a:t>
-            </a:r>
-            <a:r>
-              <a:rPr lang="en-US" sz="1600" dirty="0" err="1">
-                <a:latin typeface="Courier New" charset="0"/>
-                <a:ea typeface="Courier New" charset="0"/>
-                <a:cs typeface="Courier New" charset="0"/>
-              </a:rPr>
-              <a:t>int</a:t>
-            </a:r>
-            <a:r>
-              <a:rPr lang="en-US" sz="1600" dirty="0">
-                <a:latin typeface="Courier New" charset="0"/>
-                <a:ea typeface="Courier New" charset="0"/>
-                <a:cs typeface="Courier New" charset="0"/>
-              </a:rPr>
-              <a:t>[10]; </a:t>
-            </a:r>
-            <a:endParaRPr lang="en-US" sz="1600" dirty="0" smtClean="0">
-              <a:latin typeface="Courier New" charset="0"/>
-              <a:ea typeface="Courier New" charset="0"/>
-              <a:cs typeface="Courier New" charset="0"/>
-            </a:endParaRPr>
-          </a:p>
-          <a:p>
-            <a:pPr marL="0" indent="0">
-              <a:buNone/>
-            </a:pPr>
-            <a:r>
-              <a:rPr lang="en-US" sz="1600" dirty="0">
-                <a:latin typeface="Courier New" charset="0"/>
-                <a:ea typeface="Courier New" charset="0"/>
-                <a:cs typeface="Courier New" charset="0"/>
-              </a:rPr>
-              <a:t>	</a:t>
-            </a:r>
-            <a:r>
-              <a:rPr lang="en-US" sz="1600" dirty="0" smtClean="0">
-                <a:latin typeface="Courier New" charset="0"/>
-                <a:ea typeface="Courier New" charset="0"/>
-                <a:cs typeface="Courier New" charset="0"/>
-              </a:rPr>
-              <a:t>	// </a:t>
-            </a:r>
-            <a:r>
-              <a:rPr lang="en-US" sz="1600" dirty="0">
-                <a:latin typeface="Courier New" charset="0"/>
-                <a:ea typeface="Courier New" charset="0"/>
-                <a:cs typeface="Courier New" charset="0"/>
-              </a:rPr>
-              <a:t>initialize first element </a:t>
-            </a:r>
-            <a:r>
-              <a:rPr lang="en-US" sz="1600" dirty="0" err="1">
-                <a:latin typeface="Courier New" charset="0"/>
-                <a:ea typeface="Courier New" charset="0"/>
-                <a:cs typeface="Courier New" charset="0"/>
-              </a:rPr>
-              <a:t>anArray</a:t>
-            </a:r>
-            <a:r>
-              <a:rPr lang="en-US" sz="1600" dirty="0">
-                <a:latin typeface="Courier New" charset="0"/>
-                <a:ea typeface="Courier New" charset="0"/>
-                <a:cs typeface="Courier New" charset="0"/>
-              </a:rPr>
-              <a:t>[0] = 100; </a:t>
-            </a:r>
-            <a:endParaRPr lang="en-US" sz="1600" dirty="0" smtClean="0">
-              <a:latin typeface="Courier New" charset="0"/>
-              <a:ea typeface="Courier New" charset="0"/>
-              <a:cs typeface="Courier New" charset="0"/>
-            </a:endParaRPr>
-          </a:p>
-          <a:p>
-            <a:pPr marL="0" indent="0">
-              <a:buNone/>
-            </a:pPr>
-            <a:r>
-              <a:rPr lang="en-US" sz="1600" dirty="0">
-                <a:latin typeface="Courier New" charset="0"/>
-                <a:ea typeface="Courier New" charset="0"/>
-                <a:cs typeface="Courier New" charset="0"/>
-              </a:rPr>
-              <a:t>	</a:t>
-            </a:r>
-            <a:r>
-              <a:rPr lang="en-US" sz="1600" dirty="0" smtClean="0">
-                <a:latin typeface="Courier New" charset="0"/>
-                <a:ea typeface="Courier New" charset="0"/>
-                <a:cs typeface="Courier New" charset="0"/>
-              </a:rPr>
-              <a:t>	// </a:t>
-            </a:r>
-            <a:r>
-              <a:rPr lang="en-US" sz="1600" dirty="0">
-                <a:latin typeface="Courier New" charset="0"/>
-                <a:ea typeface="Courier New" charset="0"/>
-                <a:cs typeface="Courier New" charset="0"/>
-              </a:rPr>
-              <a:t>initialize second element </a:t>
-            </a:r>
-            <a:r>
-              <a:rPr lang="en-US" sz="1600" dirty="0" err="1">
-                <a:latin typeface="Courier New" charset="0"/>
-                <a:ea typeface="Courier New" charset="0"/>
-                <a:cs typeface="Courier New" charset="0"/>
-              </a:rPr>
-              <a:t>anArray</a:t>
-            </a:r>
-            <a:r>
-              <a:rPr lang="en-US" sz="1600" dirty="0">
-                <a:latin typeface="Courier New" charset="0"/>
-                <a:ea typeface="Courier New" charset="0"/>
-                <a:cs typeface="Courier New" charset="0"/>
-              </a:rPr>
-              <a:t>[1] = 200; </a:t>
-            </a:r>
-            <a:endParaRPr lang="en-US" sz="1600" dirty="0" smtClean="0">
-              <a:latin typeface="Courier New" charset="0"/>
-              <a:ea typeface="Courier New" charset="0"/>
-              <a:cs typeface="Courier New" charset="0"/>
-            </a:endParaRPr>
-          </a:p>
-          <a:p>
-            <a:pPr marL="0" indent="0">
-              <a:buNone/>
-            </a:pPr>
-            <a:r>
-              <a:rPr lang="en-US" sz="1600" dirty="0">
-                <a:latin typeface="Courier New" charset="0"/>
-                <a:ea typeface="Courier New" charset="0"/>
-                <a:cs typeface="Courier New" charset="0"/>
-              </a:rPr>
-              <a:t>	</a:t>
-            </a:r>
-            <a:r>
-              <a:rPr lang="en-US" sz="1600" dirty="0" smtClean="0">
-                <a:latin typeface="Courier New" charset="0"/>
-                <a:ea typeface="Courier New" charset="0"/>
-                <a:cs typeface="Courier New" charset="0"/>
-              </a:rPr>
-              <a:t>	// </a:t>
-            </a:r>
-            <a:r>
-              <a:rPr lang="en-US" sz="1600" dirty="0">
-                <a:latin typeface="Courier New" charset="0"/>
-                <a:ea typeface="Courier New" charset="0"/>
-                <a:cs typeface="Courier New" charset="0"/>
-              </a:rPr>
-              <a:t>and so </a:t>
-            </a:r>
-            <a:r>
-              <a:rPr lang="en-US" sz="1600" dirty="0" smtClean="0">
-                <a:latin typeface="Courier New" charset="0"/>
-                <a:ea typeface="Courier New" charset="0"/>
-                <a:cs typeface="Courier New" charset="0"/>
-              </a:rPr>
-              <a:t>forth</a:t>
-            </a:r>
-          </a:p>
-          <a:p>
-            <a:pPr marL="0" indent="0">
-              <a:buNone/>
-            </a:pPr>
-            <a:r>
-              <a:rPr lang="en-US" sz="1600" dirty="0">
-                <a:latin typeface="Courier New" charset="0"/>
-                <a:ea typeface="Courier New" charset="0"/>
-                <a:cs typeface="Courier New" charset="0"/>
-              </a:rPr>
-              <a:t>	</a:t>
-            </a:r>
-            <a:r>
-              <a:rPr lang="en-US" sz="1600" dirty="0" smtClean="0">
-                <a:latin typeface="Courier New" charset="0"/>
-                <a:ea typeface="Courier New" charset="0"/>
-                <a:cs typeface="Courier New" charset="0"/>
-              </a:rPr>
-              <a:t>	…</a:t>
-            </a:r>
-          </a:p>
-          <a:p>
-            <a:pPr marL="0" indent="0">
-              <a:buNone/>
-            </a:pPr>
-            <a:r>
-              <a:rPr lang="en-US" sz="1600" dirty="0">
-                <a:latin typeface="Courier New" charset="0"/>
-                <a:ea typeface="Courier New" charset="0"/>
-                <a:cs typeface="Courier New" charset="0"/>
-              </a:rPr>
-              <a:t>	</a:t>
-            </a:r>
-            <a:r>
-              <a:rPr lang="en-US" sz="1600" dirty="0" smtClean="0">
-                <a:latin typeface="Courier New" charset="0"/>
-                <a:ea typeface="Courier New" charset="0"/>
-                <a:cs typeface="Courier New" charset="0"/>
-              </a:rPr>
-              <a:t>}</a:t>
-            </a:r>
-          </a:p>
-          <a:p>
-            <a:pPr marL="0" indent="0">
-              <a:buNone/>
-            </a:pPr>
-            <a:r>
-              <a:rPr lang="en-US" sz="1600" dirty="0">
-                <a:latin typeface="Courier New" charset="0"/>
-                <a:ea typeface="Courier New" charset="0"/>
-                <a:cs typeface="Courier New" charset="0"/>
-              </a:rPr>
-              <a:t>}</a:t>
-            </a:r>
-          </a:p>
-        </p:txBody>
-      </p:sp>
+              <a:t>A </a:t>
+            </a:r>
+            <a:r>
+              <a:rPr lang="en-US" i="1" dirty="0" smtClean="0"/>
+              <a:t>stack</a:t>
+            </a:r>
+            <a:r>
+              <a:rPr lang="en-US" dirty="0" smtClean="0"/>
+              <a:t> is a list with the restriction that inserts and deletes can only occur at the end or </a:t>
+            </a:r>
+            <a:r>
+              <a:rPr lang="en-US" i="1" dirty="0" smtClean="0"/>
+              <a:t>top </a:t>
+            </a:r>
+            <a:r>
+              <a:rPr lang="en-US" dirty="0" smtClean="0"/>
+              <a:t>of the list</a:t>
+            </a:r>
+          </a:p>
+          <a:p>
+            <a:r>
+              <a:rPr lang="en-US" dirty="0" smtClean="0"/>
+              <a:t>Only the top is accessible</a:t>
+            </a:r>
+          </a:p>
+          <a:p>
+            <a:r>
+              <a:rPr lang="en-US" dirty="0" smtClean="0"/>
+              <a:t>Two operations: </a:t>
+            </a:r>
+            <a:r>
+              <a:rPr lang="en-US" i="1" dirty="0" smtClean="0"/>
+              <a:t>push</a:t>
+            </a:r>
+            <a:r>
+              <a:rPr lang="en-US" dirty="0" smtClean="0"/>
+              <a:t> and </a:t>
+            </a:r>
+            <a:r>
+              <a:rPr lang="en-US" i="1" dirty="0" smtClean="0"/>
+              <a:t>pop</a:t>
+            </a:r>
+          </a:p>
+          <a:p>
+            <a:r>
+              <a:rPr lang="en-US" dirty="0" smtClean="0"/>
+              <a:t>Last In First Out (LIFO)</a:t>
+            </a:r>
+          </a:p>
+          <a:p>
+            <a:r>
+              <a:rPr lang="en-US" dirty="0" smtClean="0"/>
+              <a:t>What are some use cases?</a:t>
+            </a:r>
+            <a:endParaRPr lang="en-US" dirty="0"/>
+          </a:p>
+        </p:txBody>
+      </p:sp>
+      <p:pic>
+        <p:nvPicPr>
+          <p:cNvPr id="7" name="Content Placeholder 6"/>
+          <p:cNvPicPr>
+            <a:picLocks noGrp="1" noChangeAspect="1"/>
+          </p:cNvPicPr>
+          <p:nvPr>
+            <p:ph sz="half" idx="2"/>
+          </p:nvPr>
+        </p:nvPicPr>
+        <p:blipFill>
+          <a:blip r:embed="rId2">
+            <a:extLst>
+              <a:ext uri="{28A0092B-C50C-407E-A947-70E740481C1C}">
+                <a14:useLocalDpi xmlns:a14="http://schemas.microsoft.com/office/drawing/2010/main" val="0"/>
+              </a:ext>
+            </a:extLst>
+          </a:blip>
+          <a:stretch>
+            <a:fillRect/>
+          </a:stretch>
+        </p:blipFill>
+        <p:spPr>
+          <a:xfrm>
+            <a:off x="4648200" y="2114927"/>
+            <a:ext cx="4210050" cy="2815470"/>
+          </a:xfrm>
+        </p:spPr>
+      </p:pic>
       <p:sp>
         <p:nvSpPr>
           <p:cNvPr id="4" name="Title 3"/>
@@ -9793,7 +9381,7 @@
           <a:p>
             <a:r>
               <a:rPr lang="en-US" dirty="0" smtClean="0"/>
-              <a:t>Java Arrays</a:t>
+              <a:t>Data Structures - Stacks</a:t>
             </a:r>
             <a:endParaRPr lang="en-US" dirty="0"/>
           </a:p>
@@ -9802,7 +9390,7 @@
     </p:spTree>
     <p:extLst>
       <p:ext uri="{BB962C8B-B14F-4D97-AF65-F5344CB8AC3E}">
-        <p14:creationId xmlns:p14="http://schemas.microsoft.com/office/powerpoint/2010/main" val="1224500709"/>
+        <p14:creationId xmlns:p14="http://schemas.microsoft.com/office/powerpoint/2010/main" val="1691572322"/>
       </p:ext>
     </p:extLst>
   </p:cSld>
@@ -9831,12 +9419,12 @@
       </p:grpSpPr>
       <p:sp>
         <p:nvSpPr>
-          <p:cNvPr id="2" name="Content Placeholder 1"/>
-          <p:cNvSpPr>
-            <a:spLocks noGrp="1"/>
-          </p:cNvSpPr>
-          <p:nvPr>
-            <p:ph idx="1"/>
+          <p:cNvPr id="5" name="Content Placeholder 4"/>
+          <p:cNvSpPr>
+            <a:spLocks noGrp="1"/>
+          </p:cNvSpPr>
+          <p:nvPr>
+            <p:ph sz="half" idx="1"/>
           </p:nvPr>
         </p:nvSpPr>
         <p:spPr/>
@@ -9846,70 +9434,54 @@
           <a:p>
             <a:r>
               <a:rPr lang="en-US" dirty="0" smtClean="0"/>
-              <a:t>There are initialization shortcuts</a:t>
-            </a:r>
-          </a:p>
-          <a:p>
-            <a:pPr marL="0" indent="0">
-              <a:buNone/>
-            </a:pPr>
-            <a:endParaRPr lang="en-US" dirty="0" smtClean="0"/>
-          </a:p>
-          <a:p>
-            <a:pPr marL="0" indent="0">
-              <a:buNone/>
-            </a:pPr>
-            <a:r>
-              <a:rPr lang="tr-TR" sz="1600" dirty="0" err="1">
-                <a:latin typeface="Courier New" charset="0"/>
-                <a:ea typeface="Courier New" charset="0"/>
-                <a:cs typeface="Courier New" charset="0"/>
-              </a:rPr>
-              <a:t>int</a:t>
-            </a:r>
-            <a:r>
-              <a:rPr lang="tr-TR" sz="1600" dirty="0">
-                <a:latin typeface="Courier New" charset="0"/>
-                <a:ea typeface="Courier New" charset="0"/>
-                <a:cs typeface="Courier New" charset="0"/>
-              </a:rPr>
-              <a:t>[] </a:t>
-            </a:r>
-            <a:r>
-              <a:rPr lang="tr-TR" sz="1600" dirty="0" err="1">
-                <a:latin typeface="Courier New" charset="0"/>
-                <a:ea typeface="Courier New" charset="0"/>
-                <a:cs typeface="Courier New" charset="0"/>
-              </a:rPr>
-              <a:t>anArray</a:t>
-            </a:r>
-            <a:r>
-              <a:rPr lang="tr-TR" sz="1600" dirty="0">
-                <a:latin typeface="Courier New" charset="0"/>
-                <a:ea typeface="Courier New" charset="0"/>
-                <a:cs typeface="Courier New" charset="0"/>
-              </a:rPr>
-              <a:t> = { 100</a:t>
-            </a:r>
-            <a:r>
-              <a:rPr lang="tr-TR" sz="1600" dirty="0" smtClean="0">
-                <a:latin typeface="Courier New" charset="0"/>
-                <a:ea typeface="Courier New" charset="0"/>
-                <a:cs typeface="Courier New" charset="0"/>
-              </a:rPr>
-              <a:t>, 200, 300, 400, 500};</a:t>
-            </a:r>
-            <a:endParaRPr lang="en-US" sz="1600" dirty="0">
-              <a:latin typeface="Courier New" charset="0"/>
-              <a:ea typeface="Courier New" charset="0"/>
-              <a:cs typeface="Courier New" charset="0"/>
-            </a:endParaRPr>
-          </a:p>
-        </p:txBody>
-      </p:sp>
-      <p:sp>
-        <p:nvSpPr>
-          <p:cNvPr id="3" name="Title 2"/>
+              <a:t>A </a:t>
+            </a:r>
+            <a:r>
+              <a:rPr lang="en-US" i="1" dirty="0" smtClean="0"/>
+              <a:t>queue </a:t>
+            </a:r>
+            <a:r>
+              <a:rPr lang="en-US" dirty="0" smtClean="0"/>
+              <a:t>is a list where inserts are restricted to one side and deletes are restricted to the other</a:t>
+            </a:r>
+          </a:p>
+          <a:p>
+            <a:r>
+              <a:rPr lang="en-US" dirty="0" smtClean="0"/>
+              <a:t>Two operations: </a:t>
+            </a:r>
+            <a:r>
+              <a:rPr lang="en-US" i="1" dirty="0" err="1" smtClean="0"/>
+              <a:t>enqueue</a:t>
+            </a:r>
+            <a:r>
+              <a:rPr lang="en-US" dirty="0" smtClean="0"/>
+              <a:t> and </a:t>
+            </a:r>
+            <a:r>
+              <a:rPr lang="en-US" i="1" dirty="0" err="1" smtClean="0"/>
+              <a:t>dequeue</a:t>
+            </a:r>
+            <a:endParaRPr lang="en-US" i="1" dirty="0" smtClean="0"/>
+          </a:p>
+          <a:p>
+            <a:r>
+              <a:rPr lang="en-US" dirty="0" smtClean="0"/>
+              <a:t>First In First Out (FIFO)</a:t>
+            </a:r>
+          </a:p>
+          <a:p>
+            <a:r>
+              <a:rPr lang="en-US" dirty="0" smtClean="0"/>
+              <a:t>What are some use cases?</a:t>
+            </a:r>
+            <a:endParaRPr lang="en-US" dirty="0"/>
+          </a:p>
+        </p:txBody>
+      </p:sp>
+      <p:sp>
+        <p:nvSpPr>
+          <p:cNvPr id="4" name="Title 3"/>
           <p:cNvSpPr>
             <a:spLocks noGrp="1"/>
           </p:cNvSpPr>
@@ -9924,16 +9496,45 @@
           <a:p>
             <a:r>
               <a:rPr lang="en-US" dirty="0" smtClean="0"/>
-              <a:t>Java Arrays</a:t>
+              <a:t>Data Structures – Queues</a:t>
             </a:r>
             <a:endParaRPr lang="en-US" dirty="0"/>
           </a:p>
         </p:txBody>
       </p:sp>
+      <p:pic>
+        <p:nvPicPr>
+          <p:cNvPr id="3" name="Content Placeholder 2"/>
+          <p:cNvPicPr>
+            <a:picLocks noGrp="1" noChangeAspect="1"/>
+          </p:cNvPicPr>
+          <p:nvPr>
+            <p:ph sz="half" idx="2"/>
+          </p:nvPr>
+        </p:nvPicPr>
+        <p:blipFill>
+          <a:blip r:embed="rId2">
+            <a:extLst>
+              <a:ext uri="{28A0092B-C50C-407E-A947-70E740481C1C}">
+                <a14:useLocalDpi xmlns:a14="http://schemas.microsoft.com/office/drawing/2010/main" val="0"/>
+              </a:ext>
+            </a:extLst>
+          </a:blip>
+          <a:stretch>
+            <a:fillRect/>
+          </a:stretch>
+        </p:blipFill>
+        <p:spPr>
+          <a:xfrm>
+            <a:off x="4648200" y="1417637"/>
+            <a:ext cx="4210050" cy="4210050"/>
+          </a:xfrm>
+        </p:spPr>
+      </p:pic>
     </p:spTree>
     <p:extLst>
       <p:ext uri="{BB962C8B-B14F-4D97-AF65-F5344CB8AC3E}">
-        <p14:creationId xmlns:p14="http://schemas.microsoft.com/office/powerpoint/2010/main" val="1545159857"/>
+        <p14:creationId xmlns:p14="http://schemas.microsoft.com/office/powerpoint/2010/main" val="774587150"/>
       </p:ext>
     </p:extLst>
   </p:cSld>
@@ -9967,7 +9568,7 @@
             <a:spLocks noGrp="1"/>
           </p:cNvSpPr>
           <p:nvPr>
-            <p:ph idx="1"/>
+            <p:ph sz="half" idx="1"/>
           </p:nvPr>
         </p:nvSpPr>
         <p:spPr/>
@@ -9977,362 +9578,41 @@
           <a:p>
             <a:r>
               <a:rPr lang="en-US" dirty="0" smtClean="0"/>
-              <a:t>And multidimensional arrays</a:t>
-            </a:r>
-          </a:p>
-          <a:p>
-            <a:endParaRPr lang="en-US" sz="1600" dirty="0">
-              <a:latin typeface="Courier New" charset="0"/>
-              <a:ea typeface="Courier New" charset="0"/>
-              <a:cs typeface="Courier New" charset="0"/>
-            </a:endParaRPr>
-          </a:p>
-          <a:p>
-            <a:pPr marL="0" indent="0">
-              <a:buNone/>
-            </a:pPr>
-            <a:r>
-              <a:rPr lang="en-US" sz="1600" dirty="0" smtClean="0">
-                <a:latin typeface="Courier New" charset="0"/>
-                <a:ea typeface="Courier New" charset="0"/>
-                <a:cs typeface="Courier New" charset="0"/>
-              </a:rPr>
-              <a:t>Public class </a:t>
-            </a:r>
-            <a:r>
-              <a:rPr lang="en-US" sz="1600" dirty="0" err="1">
-                <a:latin typeface="Courier New" charset="0"/>
-                <a:ea typeface="Courier New" charset="0"/>
-                <a:cs typeface="Courier New" charset="0"/>
-              </a:rPr>
-              <a:t>MultiDimArrayDemo</a:t>
-            </a:r>
-            <a:r>
-              <a:rPr lang="en-US" sz="1600" dirty="0">
-                <a:latin typeface="Courier New" charset="0"/>
-                <a:ea typeface="Courier New" charset="0"/>
-                <a:cs typeface="Courier New" charset="0"/>
-              </a:rPr>
-              <a:t> { </a:t>
-            </a:r>
-            <a:endParaRPr lang="en-US" sz="1600" dirty="0" smtClean="0">
-              <a:latin typeface="Courier New" charset="0"/>
-              <a:ea typeface="Courier New" charset="0"/>
-              <a:cs typeface="Courier New" charset="0"/>
-            </a:endParaRPr>
-          </a:p>
-          <a:p>
-            <a:pPr marL="0" indent="0">
-              <a:buNone/>
-            </a:pPr>
-            <a:r>
-              <a:rPr lang="en-US" sz="1600" dirty="0">
-                <a:latin typeface="Courier New" charset="0"/>
-                <a:ea typeface="Courier New" charset="0"/>
-                <a:cs typeface="Courier New" charset="0"/>
-              </a:rPr>
-              <a:t>	</a:t>
-            </a:r>
-            <a:r>
-              <a:rPr lang="en-US" sz="1600" dirty="0" smtClean="0">
-                <a:latin typeface="Courier New" charset="0"/>
-                <a:ea typeface="Courier New" charset="0"/>
-                <a:cs typeface="Courier New" charset="0"/>
-              </a:rPr>
-              <a:t>public </a:t>
-            </a:r>
-            <a:r>
-              <a:rPr lang="en-US" sz="1600" dirty="0">
-                <a:latin typeface="Courier New" charset="0"/>
-                <a:ea typeface="Courier New" charset="0"/>
-                <a:cs typeface="Courier New" charset="0"/>
-              </a:rPr>
-              <a:t>static void main(String[] </a:t>
-            </a:r>
-            <a:r>
-              <a:rPr lang="en-US" sz="1600" dirty="0" err="1">
-                <a:latin typeface="Courier New" charset="0"/>
-                <a:ea typeface="Courier New" charset="0"/>
-                <a:cs typeface="Courier New" charset="0"/>
-              </a:rPr>
-              <a:t>args</a:t>
-            </a:r>
-            <a:r>
-              <a:rPr lang="en-US" sz="1600" dirty="0">
-                <a:latin typeface="Courier New" charset="0"/>
-                <a:ea typeface="Courier New" charset="0"/>
-                <a:cs typeface="Courier New" charset="0"/>
-              </a:rPr>
-              <a:t>) { </a:t>
-            </a:r>
-            <a:endParaRPr lang="en-US" sz="1600" dirty="0" smtClean="0">
-              <a:latin typeface="Courier New" charset="0"/>
-              <a:ea typeface="Courier New" charset="0"/>
-              <a:cs typeface="Courier New" charset="0"/>
-            </a:endParaRPr>
-          </a:p>
-          <a:p>
-            <a:pPr marL="0" indent="0">
-              <a:buNone/>
-            </a:pPr>
-            <a:r>
-              <a:rPr lang="en-US" sz="1600" dirty="0">
-                <a:latin typeface="Courier New" charset="0"/>
-                <a:ea typeface="Courier New" charset="0"/>
-                <a:cs typeface="Courier New" charset="0"/>
-              </a:rPr>
-              <a:t>	</a:t>
-            </a:r>
-            <a:r>
-              <a:rPr lang="en-US" sz="1600" dirty="0" smtClean="0">
-                <a:latin typeface="Courier New" charset="0"/>
-                <a:ea typeface="Courier New" charset="0"/>
-                <a:cs typeface="Courier New" charset="0"/>
-              </a:rPr>
-              <a:t>	String</a:t>
-            </a:r>
-            <a:r>
-              <a:rPr lang="en-US" sz="1600" dirty="0">
-                <a:latin typeface="Courier New" charset="0"/>
-                <a:ea typeface="Courier New" charset="0"/>
-                <a:cs typeface="Courier New" charset="0"/>
-              </a:rPr>
-              <a:t>[][] names = { {"Mr. ", "Mrs. ", "Ms. "}, </a:t>
-            </a:r>
-            <a:r>
-              <a:rPr lang="en-US" sz="1600" dirty="0" smtClean="0">
-                <a:latin typeface="Courier New" charset="0"/>
-                <a:ea typeface="Courier New" charset="0"/>
-                <a:cs typeface="Courier New" charset="0"/>
-              </a:rPr>
-              <a:t>					      {"</a:t>
-            </a:r>
-            <a:r>
-              <a:rPr lang="en-US" sz="1600" dirty="0">
-                <a:latin typeface="Courier New" charset="0"/>
-                <a:ea typeface="Courier New" charset="0"/>
-                <a:cs typeface="Courier New" charset="0"/>
-              </a:rPr>
-              <a:t>Smith", "Jones"} }; </a:t>
-            </a:r>
-            <a:endParaRPr lang="en-US" sz="1600" dirty="0" smtClean="0">
-              <a:latin typeface="Courier New" charset="0"/>
-              <a:ea typeface="Courier New" charset="0"/>
-              <a:cs typeface="Courier New" charset="0"/>
-            </a:endParaRPr>
-          </a:p>
-          <a:p>
-            <a:pPr marL="0" indent="0">
-              <a:buNone/>
-            </a:pPr>
-            <a:r>
-              <a:rPr lang="en-US" sz="1600" dirty="0">
-                <a:latin typeface="Courier New" charset="0"/>
-                <a:ea typeface="Courier New" charset="0"/>
-                <a:cs typeface="Courier New" charset="0"/>
-              </a:rPr>
-              <a:t>	</a:t>
-            </a:r>
-            <a:r>
-              <a:rPr lang="en-US" sz="1600" dirty="0" smtClean="0">
-                <a:latin typeface="Courier New" charset="0"/>
-                <a:ea typeface="Courier New" charset="0"/>
-                <a:cs typeface="Courier New" charset="0"/>
-              </a:rPr>
-              <a:t>	// </a:t>
-            </a:r>
-            <a:r>
-              <a:rPr lang="en-US" sz="1600" dirty="0">
-                <a:latin typeface="Courier New" charset="0"/>
-                <a:ea typeface="Courier New" charset="0"/>
-                <a:cs typeface="Courier New" charset="0"/>
-              </a:rPr>
-              <a:t>Mr. Smith </a:t>
-            </a:r>
-            <a:endParaRPr lang="en-US" sz="1600" dirty="0" smtClean="0">
-              <a:latin typeface="Courier New" charset="0"/>
-              <a:ea typeface="Courier New" charset="0"/>
-              <a:cs typeface="Courier New" charset="0"/>
-            </a:endParaRPr>
-          </a:p>
-          <a:p>
-            <a:pPr marL="0" indent="0">
-              <a:buNone/>
-            </a:pPr>
-            <a:r>
-              <a:rPr lang="en-US" sz="1600" dirty="0">
-                <a:latin typeface="Courier New" charset="0"/>
-                <a:ea typeface="Courier New" charset="0"/>
-                <a:cs typeface="Courier New" charset="0"/>
-              </a:rPr>
-              <a:t>	</a:t>
-            </a:r>
-            <a:r>
-              <a:rPr lang="en-US" sz="1600" dirty="0" smtClean="0">
-                <a:latin typeface="Courier New" charset="0"/>
-                <a:ea typeface="Courier New" charset="0"/>
-                <a:cs typeface="Courier New" charset="0"/>
-              </a:rPr>
-              <a:t>	</a:t>
-            </a:r>
-            <a:r>
-              <a:rPr lang="en-US" sz="1600" dirty="0" err="1" smtClean="0">
-                <a:latin typeface="Courier New" charset="0"/>
-                <a:ea typeface="Courier New" charset="0"/>
-                <a:cs typeface="Courier New" charset="0"/>
-              </a:rPr>
-              <a:t>System.out.println</a:t>
-            </a:r>
-            <a:r>
-              <a:rPr lang="en-US" sz="1600" dirty="0" smtClean="0">
-                <a:latin typeface="Courier New" charset="0"/>
-                <a:ea typeface="Courier New" charset="0"/>
-                <a:cs typeface="Courier New" charset="0"/>
-              </a:rPr>
-              <a:t>(names[0</a:t>
-            </a:r>
-            <a:r>
-              <a:rPr lang="en-US" sz="1600" dirty="0">
-                <a:latin typeface="Courier New" charset="0"/>
-                <a:ea typeface="Courier New" charset="0"/>
-                <a:cs typeface="Courier New" charset="0"/>
-              </a:rPr>
-              <a:t>][0] + names[1][0]); </a:t>
-            </a:r>
-            <a:endParaRPr lang="en-US" sz="1600" dirty="0" smtClean="0">
-              <a:latin typeface="Courier New" charset="0"/>
-              <a:ea typeface="Courier New" charset="0"/>
-              <a:cs typeface="Courier New" charset="0"/>
-            </a:endParaRPr>
-          </a:p>
-          <a:p>
-            <a:pPr marL="0" indent="0">
-              <a:buNone/>
-            </a:pPr>
-            <a:r>
-              <a:rPr lang="en-US" sz="1600" dirty="0">
-                <a:latin typeface="Courier New" charset="0"/>
-                <a:ea typeface="Courier New" charset="0"/>
-                <a:cs typeface="Courier New" charset="0"/>
-              </a:rPr>
-              <a:t>	</a:t>
-            </a:r>
-            <a:r>
-              <a:rPr lang="en-US" sz="1600" dirty="0" smtClean="0">
-                <a:latin typeface="Courier New" charset="0"/>
-                <a:ea typeface="Courier New" charset="0"/>
-                <a:cs typeface="Courier New" charset="0"/>
-              </a:rPr>
-              <a:t>	// </a:t>
-            </a:r>
-            <a:r>
-              <a:rPr lang="en-US" sz="1600" dirty="0">
-                <a:latin typeface="Courier New" charset="0"/>
-                <a:ea typeface="Courier New" charset="0"/>
-                <a:cs typeface="Courier New" charset="0"/>
-              </a:rPr>
-              <a:t>Ms. Jones </a:t>
-            </a:r>
-            <a:endParaRPr lang="en-US" sz="1600" dirty="0" smtClean="0">
-              <a:latin typeface="Courier New" charset="0"/>
-              <a:ea typeface="Courier New" charset="0"/>
-              <a:cs typeface="Courier New" charset="0"/>
-            </a:endParaRPr>
-          </a:p>
-          <a:p>
-            <a:pPr marL="0" indent="0">
-              <a:buNone/>
-            </a:pPr>
-            <a:r>
-              <a:rPr lang="en-US" sz="1600" dirty="0">
-                <a:latin typeface="Courier New" charset="0"/>
-                <a:ea typeface="Courier New" charset="0"/>
-                <a:cs typeface="Courier New" charset="0"/>
-              </a:rPr>
-              <a:t>	</a:t>
-            </a:r>
-            <a:r>
-              <a:rPr lang="en-US" sz="1600" dirty="0" smtClean="0">
-                <a:latin typeface="Courier New" charset="0"/>
-                <a:ea typeface="Courier New" charset="0"/>
-                <a:cs typeface="Courier New" charset="0"/>
-              </a:rPr>
-              <a:t>	</a:t>
-            </a:r>
-            <a:r>
-              <a:rPr lang="en-US" sz="1600" dirty="0" err="1" smtClean="0">
-                <a:latin typeface="Courier New" charset="0"/>
-                <a:ea typeface="Courier New" charset="0"/>
-                <a:cs typeface="Courier New" charset="0"/>
-              </a:rPr>
-              <a:t>System.out.println</a:t>
-            </a:r>
-            <a:r>
-              <a:rPr lang="en-US" sz="1600" dirty="0" smtClean="0">
-                <a:latin typeface="Courier New" charset="0"/>
-                <a:ea typeface="Courier New" charset="0"/>
-                <a:cs typeface="Courier New" charset="0"/>
-              </a:rPr>
-              <a:t>(names[0</a:t>
-            </a:r>
-            <a:r>
-              <a:rPr lang="en-US" sz="1600" dirty="0">
-                <a:latin typeface="Courier New" charset="0"/>
-                <a:ea typeface="Courier New" charset="0"/>
-                <a:cs typeface="Courier New" charset="0"/>
-              </a:rPr>
-              <a:t>][2] + names[1][1]); </a:t>
-            </a:r>
-            <a:endParaRPr lang="en-US" sz="1600" dirty="0" smtClean="0">
-              <a:latin typeface="Courier New" charset="0"/>
-              <a:ea typeface="Courier New" charset="0"/>
-              <a:cs typeface="Courier New" charset="0"/>
-            </a:endParaRPr>
-          </a:p>
-          <a:p>
-            <a:pPr marL="0" indent="0">
-              <a:buNone/>
-            </a:pPr>
-            <a:r>
-              <a:rPr lang="en-US" sz="1600" dirty="0">
-                <a:latin typeface="Courier New" charset="0"/>
-                <a:ea typeface="Courier New" charset="0"/>
-                <a:cs typeface="Courier New" charset="0"/>
-              </a:rPr>
-              <a:t>	</a:t>
-            </a:r>
-            <a:r>
-              <a:rPr lang="en-US" sz="1600" dirty="0" smtClean="0">
-                <a:latin typeface="Courier New" charset="0"/>
-                <a:ea typeface="Courier New" charset="0"/>
-                <a:cs typeface="Courier New" charset="0"/>
-              </a:rPr>
-              <a:t>} </a:t>
-            </a:r>
-          </a:p>
-          <a:p>
-            <a:pPr marL="0" indent="0">
-              <a:buNone/>
-            </a:pPr>
-            <a:r>
-              <a:rPr lang="en-US" sz="1600" dirty="0" smtClean="0">
-                <a:latin typeface="Courier New" charset="0"/>
-                <a:ea typeface="Courier New" charset="0"/>
-                <a:cs typeface="Courier New" charset="0"/>
-              </a:rPr>
-              <a:t>}</a:t>
-            </a:r>
-            <a:endParaRPr lang="en-US" sz="1600" dirty="0">
-              <a:latin typeface="Courier New" charset="0"/>
-              <a:ea typeface="Courier New" charset="0"/>
-              <a:cs typeface="Courier New" charset="0"/>
-            </a:endParaRPr>
-          </a:p>
-        </p:txBody>
-      </p:sp>
-      <p:sp>
-        <p:nvSpPr>
-          <p:cNvPr id="3" name="Title 2"/>
+              <a:t>A tree is a collection of nodes</a:t>
+            </a:r>
+          </a:p>
+          <a:p>
+            <a:r>
+              <a:rPr lang="en-US" dirty="0" smtClean="0"/>
+              <a:t>There is one </a:t>
+            </a:r>
+            <a:r>
+              <a:rPr lang="en-US" i="1" dirty="0" smtClean="0"/>
+              <a:t>root node</a:t>
+            </a:r>
+          </a:p>
+          <a:p>
+            <a:r>
+              <a:rPr lang="en-US" dirty="0" smtClean="0"/>
+              <a:t>The root connects to zero or more nodes</a:t>
+            </a:r>
+          </a:p>
+          <a:p>
+            <a:r>
+              <a:rPr lang="en-US" dirty="0" smtClean="0"/>
+              <a:t>Each of those nodes can be considered to be a root of a </a:t>
+            </a:r>
+            <a:r>
+              <a:rPr lang="en-US" dirty="0" err="1" smtClean="0"/>
+              <a:t>subtree</a:t>
+            </a:r>
+            <a:endParaRPr lang="en-US" dirty="0"/>
+          </a:p>
+        </p:txBody>
+      </p:sp>
+      <p:sp>
+        <p:nvSpPr>
+          <p:cNvPr id="4" name="Title 3"/>
           <p:cNvSpPr>
             <a:spLocks noGrp="1"/>
           </p:cNvSpPr>
@@ -10347,16 +9627,45 @@
           <a:p>
             <a:r>
               <a:rPr lang="en-US" dirty="0" smtClean="0"/>
-              <a:t>Java Arrays</a:t>
+              <a:t>Data Structures – Trees </a:t>
             </a:r>
             <a:endParaRPr lang="en-US" dirty="0"/>
           </a:p>
         </p:txBody>
       </p:sp>
+      <p:pic>
+        <p:nvPicPr>
+          <p:cNvPr id="5" name="Content Placeholder 4"/>
+          <p:cNvPicPr>
+            <a:picLocks noGrp="1" noChangeAspect="1"/>
+          </p:cNvPicPr>
+          <p:nvPr>
+            <p:ph sz="half" idx="2"/>
+          </p:nvPr>
+        </p:nvPicPr>
+        <p:blipFill>
+          <a:blip r:embed="rId2">
+            <a:extLst>
+              <a:ext uri="{28A0092B-C50C-407E-A947-70E740481C1C}">
+                <a14:useLocalDpi xmlns:a14="http://schemas.microsoft.com/office/drawing/2010/main" val="0"/>
+              </a:ext>
+            </a:extLst>
+          </a:blip>
+          <a:stretch>
+            <a:fillRect/>
+          </a:stretch>
+        </p:blipFill>
+        <p:spPr>
+          <a:xfrm>
+            <a:off x="4648200" y="1994822"/>
+            <a:ext cx="4210050" cy="3055681"/>
+          </a:xfrm>
+        </p:spPr>
+      </p:pic>
     </p:spTree>
     <p:extLst>
       <p:ext uri="{BB962C8B-B14F-4D97-AF65-F5344CB8AC3E}">
-        <p14:creationId xmlns:p14="http://schemas.microsoft.com/office/powerpoint/2010/main" val="1870653267"/>
+        <p14:creationId xmlns:p14="http://schemas.microsoft.com/office/powerpoint/2010/main" val="1736654805"/>
       </p:ext>
     </p:extLst>
   </p:cSld>
@@ -10390,7 +9699,7 @@
             <a:spLocks noGrp="1"/>
           </p:cNvSpPr>
           <p:nvPr>
-            <p:ph idx="1"/>
+            <p:ph sz="half" idx="1"/>
           </p:nvPr>
         </p:nvSpPr>
         <p:spPr/>
@@ -10400,7 +9709,63 @@
           <a:p>
             <a:r>
               <a:rPr lang="en-US" dirty="0" smtClean="0"/>
-              <a:t>Lets look at the Arrays utility class</a:t>
+              <a:t>Nodes with no children are called </a:t>
+            </a:r>
+            <a:r>
+              <a:rPr lang="en-US" i="1" dirty="0" smtClean="0"/>
+              <a:t>leaves</a:t>
+            </a:r>
+          </a:p>
+          <a:p>
+            <a:r>
+              <a:rPr lang="en-US" dirty="0" smtClean="0"/>
+              <a:t>A </a:t>
+            </a:r>
+            <a:r>
+              <a:rPr lang="en-US" i="1" dirty="0" smtClean="0"/>
+              <a:t>path </a:t>
+            </a:r>
+            <a:r>
+              <a:rPr lang="en-US" dirty="0" smtClean="0"/>
+              <a:t>is a sequence of nodes</a:t>
+            </a:r>
+          </a:p>
+          <a:p>
+            <a:r>
+              <a:rPr lang="en-US" dirty="0" smtClean="0"/>
+              <a:t>A path has a </a:t>
+            </a:r>
+            <a:r>
+              <a:rPr lang="en-US" i="1" dirty="0" smtClean="0"/>
+              <a:t>length</a:t>
+            </a:r>
+          </a:p>
+          <a:p>
+            <a:r>
+              <a:rPr lang="en-US" dirty="0" smtClean="0"/>
+              <a:t>The </a:t>
+            </a:r>
+            <a:r>
+              <a:rPr lang="en-US" i="1" dirty="0" smtClean="0"/>
+              <a:t>depth</a:t>
+            </a:r>
+            <a:r>
+              <a:rPr lang="en-US" dirty="0" smtClean="0"/>
+              <a:t> of a node is the length from it to the root</a:t>
+            </a:r>
+          </a:p>
+          <a:p>
+            <a:r>
+              <a:rPr lang="en-US" dirty="0" smtClean="0"/>
+              <a:t>The </a:t>
+            </a:r>
+            <a:r>
+              <a:rPr lang="en-US" i="1" dirty="0" smtClean="0"/>
+              <a:t>height </a:t>
+            </a:r>
+            <a:r>
+              <a:rPr lang="en-US" dirty="0" smtClean="0"/>
+              <a:t>of a node is the greatest depth</a:t>
             </a:r>
             <a:endParaRPr lang="en-US" dirty="0"/>
           </a:p>
@@ -10408,7 +9773,7 @@
       </p:sp>
       <p:sp>
         <p:nvSpPr>
-          <p:cNvPr id="3" name="Title 2"/>
+          <p:cNvPr id="4" name="Title 3"/>
           <p:cNvSpPr>
             <a:spLocks noGrp="1"/>
           </p:cNvSpPr>
@@ -10423,16 +9788,45 @@
           <a:p>
             <a:r>
               <a:rPr lang="en-US" dirty="0" smtClean="0"/>
-              <a:t>Java Arrays</a:t>
+              <a:t>Data Structures – Trees </a:t>
             </a:r>
             <a:endParaRPr lang="en-US" dirty="0"/>
           </a:p>
         </p:txBody>
       </p:sp>
+      <p:pic>
+        <p:nvPicPr>
+          <p:cNvPr id="5" name="Content Placeholder 4"/>
+          <p:cNvPicPr>
+            <a:picLocks noGrp="1" noChangeAspect="1"/>
+          </p:cNvPicPr>
+          <p:nvPr>
+            <p:ph sz="half" idx="2"/>
+          </p:nvPr>
+        </p:nvPicPr>
+        <p:blipFill>
+          <a:blip r:embed="rId2">
+            <a:extLst>
+              <a:ext uri="{28A0092B-C50C-407E-A947-70E740481C1C}">
+                <a14:useLocalDpi xmlns:a14="http://schemas.microsoft.com/office/drawing/2010/main" val="0"/>
+              </a:ext>
+            </a:extLst>
+          </a:blip>
+          <a:stretch>
+            <a:fillRect/>
+          </a:stretch>
+        </p:blipFill>
+        <p:spPr>
+          <a:xfrm>
+            <a:off x="4648200" y="1994822"/>
+            <a:ext cx="4210050" cy="3055681"/>
+          </a:xfrm>
+        </p:spPr>
+      </p:pic>
     </p:spTree>
     <p:extLst>
       <p:ext uri="{BB962C8B-B14F-4D97-AF65-F5344CB8AC3E}">
-        <p14:creationId xmlns:p14="http://schemas.microsoft.com/office/powerpoint/2010/main" val="435754478"/>
+        <p14:creationId xmlns:p14="http://schemas.microsoft.com/office/powerpoint/2010/main" val="1814267767"/>
       </p:ext>
     </p:extLst>
   </p:cSld>
@@ -10466,7 +9860,7 @@
             <a:spLocks noGrp="1"/>
           </p:cNvSpPr>
           <p:nvPr>
-            <p:ph idx="1"/>
+            <p:ph sz="half" idx="1"/>
           </p:nvPr>
         </p:nvSpPr>
         <p:spPr/>
@@ -10476,44 +9870,27 @@
           <a:p>
             <a:r>
               <a:rPr lang="en-US" dirty="0" smtClean="0"/>
-              <a:t>Java provides us with the Collection interface</a:t>
-            </a:r>
-          </a:p>
-          <a:p>
-            <a:r>
-              <a:rPr lang="en-US" dirty="0" smtClean="0"/>
-              <a:t>Collection is a generic type, which means we can define what type of object it will hold</a:t>
-            </a:r>
-          </a:p>
-          <a:p>
-            <a:r>
-              <a:rPr lang="en-US" dirty="0" smtClean="0"/>
-              <a:t>The Collection framework has a large number of data structures implemented and ready to use</a:t>
+              <a:t>A tree node contains links to all of its children</a:t>
+            </a:r>
+          </a:p>
+          <a:p>
+            <a:r>
+              <a:rPr lang="en-US" dirty="0" smtClean="0"/>
+              <a:t>How would you implement that?</a:t>
+            </a:r>
+          </a:p>
+          <a:p>
+            <a:r>
+              <a:rPr lang="en-US" dirty="0" smtClean="0"/>
+              <a:t>What are some use cases?</a:t>
             </a:r>
             <a:endParaRPr lang="en-US" dirty="0"/>
           </a:p>
-          <a:p>
-            <a:r>
-              <a:rPr lang="en-US" dirty="0" smtClean="0"/>
-              <a:t>Import from </a:t>
-            </a:r>
-            <a:r>
-              <a:rPr lang="en-US" dirty="0" err="1" smtClean="0"/>
-              <a:t>java.util</a:t>
-            </a:r>
-            <a:endParaRPr lang="en-US" dirty="0" smtClean="0"/>
-          </a:p>
-          <a:p>
-            <a:r>
-              <a:rPr lang="en-US" dirty="0" smtClean="0"/>
-              <a:t>Lets take a look</a:t>
-            </a:r>
-          </a:p>
-        </p:txBody>
-      </p:sp>
-      <p:sp>
-        <p:nvSpPr>
-          <p:cNvPr id="3" name="Title 2"/>
+        </p:txBody>
+      </p:sp>
+      <p:sp>
+        <p:nvSpPr>
+          <p:cNvPr id="4" name="Title 3"/>
           <p:cNvSpPr>
             <a:spLocks noGrp="1"/>
           </p:cNvSpPr>
@@ -10528,16 +9905,45 @@
           <a:p>
             <a:r>
               <a:rPr lang="en-US" dirty="0" smtClean="0"/>
-              <a:t>Java Collections</a:t>
+              <a:t>Data Structures – Trees </a:t>
             </a:r>
             <a:endParaRPr lang="en-US" dirty="0"/>
           </a:p>
         </p:txBody>
       </p:sp>
+      <p:pic>
+        <p:nvPicPr>
+          <p:cNvPr id="5" name="Content Placeholder 4"/>
+          <p:cNvPicPr>
+            <a:picLocks noGrp="1" noChangeAspect="1"/>
+          </p:cNvPicPr>
+          <p:nvPr>
+            <p:ph sz="half" idx="2"/>
+          </p:nvPr>
+        </p:nvPicPr>
+        <p:blipFill>
+          <a:blip r:embed="rId2">
+            <a:extLst>
+              <a:ext uri="{28A0092B-C50C-407E-A947-70E740481C1C}">
+                <a14:useLocalDpi xmlns:a14="http://schemas.microsoft.com/office/drawing/2010/main" val="0"/>
+              </a:ext>
+            </a:extLst>
+          </a:blip>
+          <a:stretch>
+            <a:fillRect/>
+          </a:stretch>
+        </p:blipFill>
+        <p:spPr>
+          <a:xfrm>
+            <a:off x="4648200" y="1994822"/>
+            <a:ext cx="4210050" cy="3055681"/>
+          </a:xfrm>
+        </p:spPr>
+      </p:pic>
     </p:spTree>
     <p:extLst>
       <p:ext uri="{BB962C8B-B14F-4D97-AF65-F5344CB8AC3E}">
-        <p14:creationId xmlns:p14="http://schemas.microsoft.com/office/powerpoint/2010/main" val="492782146"/>
+        <p14:creationId xmlns:p14="http://schemas.microsoft.com/office/powerpoint/2010/main" val="1863042253"/>
       </p:ext>
     </p:extLst>
   </p:cSld>
@@ -13166,14 +12572,27 @@
           <a:p>
             <a:r>
               <a:rPr lang="en-US" dirty="0" smtClean="0"/>
-              <a:t>Data Structures</a:t>
-            </a:r>
-          </a:p>
-          <a:p>
-            <a:r>
-              <a:rPr lang="en-US" dirty="0" smtClean="0"/>
-              <a:t>Java Arrays &amp; Collections</a:t>
-            </a:r>
+              <a:t>Java </a:t>
+            </a:r>
+            <a:r>
+              <a:rPr lang="en-US" dirty="0" smtClean="0"/>
+              <a:t>Arrays &amp; </a:t>
+            </a:r>
+            <a:r>
+              <a:rPr lang="en-US" dirty="0" smtClean="0"/>
+              <a:t>Collections</a:t>
+            </a:r>
+          </a:p>
+          <a:p>
+            <a:r>
+              <a:rPr lang="en-US" dirty="0"/>
+              <a:t>Data </a:t>
+            </a:r>
+            <a:r>
+              <a:rPr lang="en-US" dirty="0" smtClean="0"/>
+              <a:t>Structures</a:t>
+            </a:r>
+            <a:endParaRPr lang="en-US" dirty="0" smtClean="0"/>
           </a:p>
           <a:p>
             <a:r>
@@ -13489,13 +12908,13 @@
           <a:p>
             <a:r>
               <a:rPr lang="en-US" dirty="0"/>
+              <a:t>Java Arrays &amp; Collections</a:t>
+            </a:r>
+          </a:p>
+          <a:p>
+            <a:r>
+              <a:rPr lang="en-US" dirty="0"/>
               <a:t>Data Structures</a:t>
-            </a:r>
-          </a:p>
-          <a:p>
-            <a:r>
-              <a:rPr lang="en-US" dirty="0"/>
-              <a:t>Java Arrays &amp; Collections</a:t>
             </a:r>
           </a:p>
           <a:p>
@@ -13512,9 +12931,10 @@
           </a:p>
           <a:p>
             <a:r>
-              <a:rPr lang="en-US" dirty="0"/>
+              <a:rPr lang="en-US"/>
               <a:t>Eclipse Demo</a:t>
             </a:r>
+            <a:endParaRPr lang="en-US" dirty="0"/>
           </a:p>
         </p:txBody>
       </p:sp>
@@ -13588,14 +13008,19 @@
             <p:ph type="ctrTitle"/>
           </p:nvPr>
         </p:nvSpPr>
-        <p:spPr/>
+        <p:spPr>
+          <a:xfrm>
+            <a:off x="356807" y="1647649"/>
+            <a:ext cx="8449056" cy="522288"/>
+          </a:xfrm>
+        </p:spPr>
         <p:txBody>
           <a:bodyPr/>
           <a:lstStyle/>
           <a:p>
             <a:r>
               <a:rPr lang="en-US" dirty="0" smtClean="0"/>
-              <a:t>DATA STRUCTURES</a:t>
+              <a:t>JAVA ARRAYS &amp; COLLECTIONS</a:t>
             </a:r>
             <a:endParaRPr lang="en-US" dirty="0"/>
           </a:p>
@@ -13639,6 +13064,7 @@
               <a:rPr lang="en-US" dirty="0"/>
               <a:t>Data Structures &amp; Algorithms</a:t>
             </a:r>
+            <a:endParaRPr lang="en-US" dirty="0" smtClean="0"/>
           </a:p>
         </p:txBody>
       </p:sp>
@@ -13722,7 +13148,7 @@
           <a:bodyPr/>
           <a:lstStyle/>
           <a:p>
-            <a:fld id="{903FB963-19E3-4C2B-B74A-C5AA75DA03F5}" type="datetime1">
+            <a:fld id="{16912949-A220-4034-8649-208A606199B7}" type="datetime1">
               <a:rPr lang="en-US" smtClean="0"/>
               <a:t>10/9/15</a:t>
             </a:fld>
@@ -13733,7 +13159,7 @@
     </p:spTree>
     <p:extLst>
       <p:ext uri="{BB962C8B-B14F-4D97-AF65-F5344CB8AC3E}">
-        <p14:creationId xmlns:p14="http://schemas.microsoft.com/office/powerpoint/2010/main" val="549378166"/>
+        <p14:creationId xmlns:p14="http://schemas.microsoft.com/office/powerpoint/2010/main" val="3965990881"/>
       </p:ext>
     </p:extLst>
   </p:cSld>
@@ -13774,7 +13200,7 @@
             <a:spLocks noGrp="1"/>
           </p:cNvSpPr>
           <p:nvPr>
-            <p:ph sz="half" idx="1"/>
+            <p:ph idx="1"/>
           </p:nvPr>
         </p:nvSpPr>
         <p:spPr/>
@@ -13784,67 +13210,479 @@
           <a:p>
             <a:r>
               <a:rPr lang="en-US" dirty="0" smtClean="0"/>
-              <a:t>Data structures are used to organize data for efficient access</a:t>
-            </a:r>
-          </a:p>
-          <a:p>
-            <a:r>
-              <a:rPr lang="en-US" dirty="0" smtClean="0"/>
-              <a:t>Referred to as </a:t>
-            </a:r>
-            <a:r>
-              <a:rPr lang="en-US" i="1" dirty="0" smtClean="0"/>
-              <a:t>Abstract Data Types </a:t>
-            </a:r>
-            <a:r>
-              <a:rPr lang="en-US" dirty="0" smtClean="0"/>
-              <a:t>(ADTs)</a:t>
-            </a:r>
-          </a:p>
-          <a:p>
-            <a:r>
-              <a:rPr lang="en-US" dirty="0" smtClean="0"/>
-              <a:t>Some structures have very broad use cases, others are specialized</a:t>
-            </a:r>
-          </a:p>
-          <a:p>
-            <a:r>
-              <a:rPr lang="en-US" dirty="0" smtClean="0"/>
-              <a:t>Lists, Stacks, Queues and Trees</a:t>
-            </a:r>
-            <a:endParaRPr lang="en-US" dirty="0"/>
-          </a:p>
-        </p:txBody>
-      </p:sp>
-      <p:pic>
-        <p:nvPicPr>
-          <p:cNvPr id="5" name="Content Placeholder 4"/>
-          <p:cNvPicPr>
-            <a:picLocks noGrp="1" noChangeAspect="1"/>
-          </p:cNvPicPr>
-          <p:nvPr>
-            <p:ph sz="half" idx="2"/>
-          </p:nvPr>
-        </p:nvPicPr>
-        <p:blipFill>
-          <a:blip r:embed="rId2">
-            <a:extLst>
-              <a:ext uri="{28A0092B-C50C-407E-A947-70E740481C1C}">
-                <a14:useLocalDpi xmlns:a14="http://schemas.microsoft.com/office/drawing/2010/main" val="0"/>
-              </a:ext>
-            </a:extLst>
-          </a:blip>
-          <a:stretch>
-            <a:fillRect/>
-          </a:stretch>
-        </p:blipFill>
-        <p:spPr>
-          <a:xfrm>
-            <a:off x="4648200" y="1994822"/>
-            <a:ext cx="4210050" cy="3055681"/>
-          </a:xfrm>
-        </p:spPr>
-      </p:pic>
+              <a:t>A Java array can be of any type, but is fixed in size from the moment of creation</a:t>
+            </a:r>
+          </a:p>
+          <a:p>
+            <a:pPr marL="0" indent="0">
+              <a:buNone/>
+            </a:pPr>
+            <a:r>
+              <a:rPr lang="en-US" sz="1600" dirty="0" smtClean="0">
+                <a:latin typeface="Courier New" charset="0"/>
+                <a:ea typeface="Courier New" charset="0"/>
+                <a:cs typeface="Courier New" charset="0"/>
+              </a:rPr>
+              <a:t>Public class </a:t>
+            </a:r>
+            <a:r>
+              <a:rPr lang="en-US" sz="1600" dirty="0" err="1">
+                <a:latin typeface="Courier New" charset="0"/>
+                <a:ea typeface="Courier New" charset="0"/>
+                <a:cs typeface="Courier New" charset="0"/>
+              </a:rPr>
+              <a:t>ArrayDemo</a:t>
+            </a:r>
+            <a:r>
+              <a:rPr lang="en-US" sz="1600" dirty="0">
+                <a:latin typeface="Courier New" charset="0"/>
+                <a:ea typeface="Courier New" charset="0"/>
+                <a:cs typeface="Courier New" charset="0"/>
+              </a:rPr>
+              <a:t> { </a:t>
+            </a:r>
+            <a:endParaRPr lang="en-US" sz="1600" dirty="0" smtClean="0">
+              <a:latin typeface="Courier New" charset="0"/>
+              <a:ea typeface="Courier New" charset="0"/>
+              <a:cs typeface="Courier New" charset="0"/>
+            </a:endParaRPr>
+          </a:p>
+          <a:p>
+            <a:pPr marL="0" indent="0">
+              <a:buNone/>
+            </a:pPr>
+            <a:r>
+              <a:rPr lang="en-US" sz="1600" dirty="0">
+                <a:latin typeface="Courier New" charset="0"/>
+                <a:ea typeface="Courier New" charset="0"/>
+                <a:cs typeface="Courier New" charset="0"/>
+              </a:rPr>
+              <a:t>	</a:t>
+            </a:r>
+            <a:r>
+              <a:rPr lang="en-US" sz="1600" dirty="0" smtClean="0">
+                <a:latin typeface="Courier New" charset="0"/>
+                <a:ea typeface="Courier New" charset="0"/>
+                <a:cs typeface="Courier New" charset="0"/>
+              </a:rPr>
+              <a:t>public </a:t>
+            </a:r>
+            <a:r>
+              <a:rPr lang="en-US" sz="1600" dirty="0">
+                <a:latin typeface="Courier New" charset="0"/>
+                <a:ea typeface="Courier New" charset="0"/>
+                <a:cs typeface="Courier New" charset="0"/>
+              </a:rPr>
+              <a:t>static void main(String[] </a:t>
+            </a:r>
+            <a:r>
+              <a:rPr lang="en-US" sz="1600" dirty="0" err="1">
+                <a:latin typeface="Courier New" charset="0"/>
+                <a:ea typeface="Courier New" charset="0"/>
+                <a:cs typeface="Courier New" charset="0"/>
+              </a:rPr>
+              <a:t>args</a:t>
+            </a:r>
+            <a:r>
+              <a:rPr lang="en-US" sz="1600" dirty="0">
+                <a:latin typeface="Courier New" charset="0"/>
+                <a:ea typeface="Courier New" charset="0"/>
+                <a:cs typeface="Courier New" charset="0"/>
+              </a:rPr>
+              <a:t>) { </a:t>
+            </a:r>
+            <a:endParaRPr lang="en-US" sz="1600" dirty="0" smtClean="0">
+              <a:latin typeface="Courier New" charset="0"/>
+              <a:ea typeface="Courier New" charset="0"/>
+              <a:cs typeface="Courier New" charset="0"/>
+            </a:endParaRPr>
+          </a:p>
+          <a:p>
+            <a:pPr marL="0" indent="0">
+              <a:buNone/>
+            </a:pPr>
+            <a:r>
+              <a:rPr lang="en-US" sz="1600" dirty="0">
+                <a:latin typeface="Courier New" charset="0"/>
+                <a:ea typeface="Courier New" charset="0"/>
+                <a:cs typeface="Courier New" charset="0"/>
+              </a:rPr>
+              <a:t>	</a:t>
+            </a:r>
+            <a:r>
+              <a:rPr lang="en-US" sz="1600" dirty="0" smtClean="0">
+                <a:latin typeface="Courier New" charset="0"/>
+                <a:ea typeface="Courier New" charset="0"/>
+                <a:cs typeface="Courier New" charset="0"/>
+              </a:rPr>
+              <a:t>	// </a:t>
+            </a:r>
+            <a:r>
+              <a:rPr lang="en-US" sz="1600" dirty="0">
+                <a:latin typeface="Courier New" charset="0"/>
+                <a:ea typeface="Courier New" charset="0"/>
+                <a:cs typeface="Courier New" charset="0"/>
+              </a:rPr>
+              <a:t>declares an array of integers </a:t>
+            </a:r>
+            <a:endParaRPr lang="en-US" sz="1600" dirty="0" smtClean="0">
+              <a:latin typeface="Courier New" charset="0"/>
+              <a:ea typeface="Courier New" charset="0"/>
+              <a:cs typeface="Courier New" charset="0"/>
+            </a:endParaRPr>
+          </a:p>
+          <a:p>
+            <a:pPr marL="0" indent="0">
+              <a:buNone/>
+            </a:pPr>
+            <a:r>
+              <a:rPr lang="en-US" sz="1600" dirty="0">
+                <a:latin typeface="Courier New" charset="0"/>
+                <a:ea typeface="Courier New" charset="0"/>
+                <a:cs typeface="Courier New" charset="0"/>
+              </a:rPr>
+              <a:t>	</a:t>
+            </a:r>
+            <a:r>
+              <a:rPr lang="en-US" sz="1600" dirty="0" smtClean="0">
+                <a:latin typeface="Courier New" charset="0"/>
+                <a:ea typeface="Courier New" charset="0"/>
+                <a:cs typeface="Courier New" charset="0"/>
+              </a:rPr>
+              <a:t>	</a:t>
+            </a:r>
+            <a:r>
+              <a:rPr lang="en-US" sz="1600" dirty="0" err="1" smtClean="0">
+                <a:latin typeface="Courier New" charset="0"/>
+                <a:ea typeface="Courier New" charset="0"/>
+                <a:cs typeface="Courier New" charset="0"/>
+              </a:rPr>
+              <a:t>int</a:t>
+            </a:r>
+            <a:r>
+              <a:rPr lang="en-US" sz="1600" dirty="0">
+                <a:latin typeface="Courier New" charset="0"/>
+                <a:ea typeface="Courier New" charset="0"/>
+                <a:cs typeface="Courier New" charset="0"/>
+              </a:rPr>
+              <a:t>[] </a:t>
+            </a:r>
+            <a:r>
+              <a:rPr lang="en-US" sz="1600" dirty="0" err="1">
+                <a:latin typeface="Courier New" charset="0"/>
+                <a:ea typeface="Courier New" charset="0"/>
+                <a:cs typeface="Courier New" charset="0"/>
+              </a:rPr>
+              <a:t>anArray</a:t>
+            </a:r>
+            <a:r>
+              <a:rPr lang="en-US" sz="1600" dirty="0">
+                <a:latin typeface="Courier New" charset="0"/>
+                <a:ea typeface="Courier New" charset="0"/>
+                <a:cs typeface="Courier New" charset="0"/>
+              </a:rPr>
+              <a:t>; </a:t>
+            </a:r>
+            <a:endParaRPr lang="en-US" sz="1600" dirty="0" smtClean="0">
+              <a:latin typeface="Courier New" charset="0"/>
+              <a:ea typeface="Courier New" charset="0"/>
+              <a:cs typeface="Courier New" charset="0"/>
+            </a:endParaRPr>
+          </a:p>
+          <a:p>
+            <a:pPr marL="0" indent="0">
+              <a:buNone/>
+            </a:pPr>
+            <a:r>
+              <a:rPr lang="en-US" sz="1600" dirty="0">
+                <a:latin typeface="Courier New" charset="0"/>
+                <a:ea typeface="Courier New" charset="0"/>
+                <a:cs typeface="Courier New" charset="0"/>
+              </a:rPr>
+              <a:t>	</a:t>
+            </a:r>
+            <a:r>
+              <a:rPr lang="en-US" sz="1600" dirty="0" smtClean="0">
+                <a:latin typeface="Courier New" charset="0"/>
+                <a:ea typeface="Courier New" charset="0"/>
+                <a:cs typeface="Courier New" charset="0"/>
+              </a:rPr>
+              <a:t>	// </a:t>
+            </a:r>
+            <a:r>
+              <a:rPr lang="en-US" sz="1600" dirty="0">
+                <a:latin typeface="Courier New" charset="0"/>
+                <a:ea typeface="Courier New" charset="0"/>
+                <a:cs typeface="Courier New" charset="0"/>
+              </a:rPr>
+              <a:t>allocates memory for 10 integers </a:t>
+            </a:r>
+            <a:endParaRPr lang="en-US" sz="1600" dirty="0" smtClean="0">
+              <a:latin typeface="Courier New" charset="0"/>
+              <a:ea typeface="Courier New" charset="0"/>
+              <a:cs typeface="Courier New" charset="0"/>
+            </a:endParaRPr>
+          </a:p>
+          <a:p>
+            <a:pPr marL="0" indent="0">
+              <a:buNone/>
+            </a:pPr>
+            <a:r>
+              <a:rPr lang="en-US" sz="1600" dirty="0">
+                <a:latin typeface="Courier New" charset="0"/>
+                <a:ea typeface="Courier New" charset="0"/>
+                <a:cs typeface="Courier New" charset="0"/>
+              </a:rPr>
+              <a:t>	</a:t>
+            </a:r>
+            <a:r>
+              <a:rPr lang="en-US" sz="1600" dirty="0" smtClean="0">
+                <a:latin typeface="Courier New" charset="0"/>
+                <a:ea typeface="Courier New" charset="0"/>
+                <a:cs typeface="Courier New" charset="0"/>
+              </a:rPr>
+              <a:t>	</a:t>
+            </a:r>
+            <a:r>
+              <a:rPr lang="en-US" sz="1600" dirty="0" err="1" smtClean="0">
+                <a:latin typeface="Courier New" charset="0"/>
+                <a:ea typeface="Courier New" charset="0"/>
+                <a:cs typeface="Courier New" charset="0"/>
+              </a:rPr>
+              <a:t>anArray</a:t>
+            </a:r>
+            <a:r>
+              <a:rPr lang="en-US" sz="1600" dirty="0" smtClean="0">
+                <a:latin typeface="Courier New" charset="0"/>
+                <a:ea typeface="Courier New" charset="0"/>
+                <a:cs typeface="Courier New" charset="0"/>
+              </a:rPr>
+              <a:t> </a:t>
+            </a:r>
+            <a:r>
+              <a:rPr lang="en-US" sz="1600" dirty="0">
+                <a:latin typeface="Courier New" charset="0"/>
+                <a:ea typeface="Courier New" charset="0"/>
+                <a:cs typeface="Courier New" charset="0"/>
+              </a:rPr>
+              <a:t>= new </a:t>
+            </a:r>
+            <a:r>
+              <a:rPr lang="en-US" sz="1600" dirty="0" err="1">
+                <a:latin typeface="Courier New" charset="0"/>
+                <a:ea typeface="Courier New" charset="0"/>
+                <a:cs typeface="Courier New" charset="0"/>
+              </a:rPr>
+              <a:t>int</a:t>
+            </a:r>
+            <a:r>
+              <a:rPr lang="en-US" sz="1600" dirty="0">
+                <a:latin typeface="Courier New" charset="0"/>
+                <a:ea typeface="Courier New" charset="0"/>
+                <a:cs typeface="Courier New" charset="0"/>
+              </a:rPr>
+              <a:t>[10]; </a:t>
+            </a:r>
+            <a:endParaRPr lang="en-US" sz="1600" dirty="0" smtClean="0">
+              <a:latin typeface="Courier New" charset="0"/>
+              <a:ea typeface="Courier New" charset="0"/>
+              <a:cs typeface="Courier New" charset="0"/>
+            </a:endParaRPr>
+          </a:p>
+          <a:p>
+            <a:pPr marL="0" indent="0">
+              <a:buNone/>
+            </a:pPr>
+            <a:r>
+              <a:rPr lang="en-US" sz="1600" dirty="0">
+                <a:latin typeface="Courier New" charset="0"/>
+                <a:ea typeface="Courier New" charset="0"/>
+                <a:cs typeface="Courier New" charset="0"/>
+              </a:rPr>
+              <a:t>	</a:t>
+            </a:r>
+            <a:r>
+              <a:rPr lang="en-US" sz="1600" dirty="0" smtClean="0">
+                <a:latin typeface="Courier New" charset="0"/>
+                <a:ea typeface="Courier New" charset="0"/>
+                <a:cs typeface="Courier New" charset="0"/>
+              </a:rPr>
+              <a:t>	// </a:t>
+            </a:r>
+            <a:r>
+              <a:rPr lang="en-US" sz="1600" dirty="0">
+                <a:latin typeface="Courier New" charset="0"/>
+                <a:ea typeface="Courier New" charset="0"/>
+                <a:cs typeface="Courier New" charset="0"/>
+              </a:rPr>
+              <a:t>initialize first element </a:t>
+            </a:r>
+            <a:r>
+              <a:rPr lang="en-US" sz="1600" dirty="0" err="1">
+                <a:latin typeface="Courier New" charset="0"/>
+                <a:ea typeface="Courier New" charset="0"/>
+                <a:cs typeface="Courier New" charset="0"/>
+              </a:rPr>
+              <a:t>anArray</a:t>
+            </a:r>
+            <a:r>
+              <a:rPr lang="en-US" sz="1600" dirty="0">
+                <a:latin typeface="Courier New" charset="0"/>
+                <a:ea typeface="Courier New" charset="0"/>
+                <a:cs typeface="Courier New" charset="0"/>
+              </a:rPr>
+              <a:t>[0] = 100; </a:t>
+            </a:r>
+            <a:endParaRPr lang="en-US" sz="1600" dirty="0" smtClean="0">
+              <a:latin typeface="Courier New" charset="0"/>
+              <a:ea typeface="Courier New" charset="0"/>
+              <a:cs typeface="Courier New" charset="0"/>
+            </a:endParaRPr>
+          </a:p>
+          <a:p>
+            <a:pPr marL="0" indent="0">
+              <a:buNone/>
+            </a:pPr>
+            <a:r>
+              <a:rPr lang="en-US" sz="1600" dirty="0">
+                <a:latin typeface="Courier New" charset="0"/>
+                <a:ea typeface="Courier New" charset="0"/>
+                <a:cs typeface="Courier New" charset="0"/>
+              </a:rPr>
+              <a:t>	</a:t>
+            </a:r>
+            <a:r>
+              <a:rPr lang="en-US" sz="1600" dirty="0" smtClean="0">
+                <a:latin typeface="Courier New" charset="0"/>
+                <a:ea typeface="Courier New" charset="0"/>
+                <a:cs typeface="Courier New" charset="0"/>
+              </a:rPr>
+              <a:t>	// </a:t>
+            </a:r>
+            <a:r>
+              <a:rPr lang="en-US" sz="1600" dirty="0">
+                <a:latin typeface="Courier New" charset="0"/>
+                <a:ea typeface="Courier New" charset="0"/>
+                <a:cs typeface="Courier New" charset="0"/>
+              </a:rPr>
+              <a:t>initialize second element </a:t>
+            </a:r>
+            <a:r>
+              <a:rPr lang="en-US" sz="1600" dirty="0" err="1">
+                <a:latin typeface="Courier New" charset="0"/>
+                <a:ea typeface="Courier New" charset="0"/>
+                <a:cs typeface="Courier New" charset="0"/>
+              </a:rPr>
+              <a:t>anArray</a:t>
+            </a:r>
+            <a:r>
+              <a:rPr lang="en-US" sz="1600" dirty="0">
+                <a:latin typeface="Courier New" charset="0"/>
+                <a:ea typeface="Courier New" charset="0"/>
+                <a:cs typeface="Courier New" charset="0"/>
+              </a:rPr>
+              <a:t>[1] = 200; </a:t>
+            </a:r>
+            <a:endParaRPr lang="en-US" sz="1600" dirty="0" smtClean="0">
+              <a:latin typeface="Courier New" charset="0"/>
+              <a:ea typeface="Courier New" charset="0"/>
+              <a:cs typeface="Courier New" charset="0"/>
+            </a:endParaRPr>
+          </a:p>
+          <a:p>
+            <a:pPr marL="0" indent="0">
+              <a:buNone/>
+            </a:pPr>
+            <a:r>
+              <a:rPr lang="en-US" sz="1600" dirty="0">
+                <a:latin typeface="Courier New" charset="0"/>
+                <a:ea typeface="Courier New" charset="0"/>
+                <a:cs typeface="Courier New" charset="0"/>
+              </a:rPr>
+              <a:t>	</a:t>
+            </a:r>
+            <a:r>
+              <a:rPr lang="en-US" sz="1600" dirty="0" smtClean="0">
+                <a:latin typeface="Courier New" charset="0"/>
+                <a:ea typeface="Courier New" charset="0"/>
+                <a:cs typeface="Courier New" charset="0"/>
+              </a:rPr>
+              <a:t>	// </a:t>
+            </a:r>
+            <a:r>
+              <a:rPr lang="en-US" sz="1600" dirty="0">
+                <a:latin typeface="Courier New" charset="0"/>
+                <a:ea typeface="Courier New" charset="0"/>
+                <a:cs typeface="Courier New" charset="0"/>
+              </a:rPr>
+              <a:t>and so </a:t>
+            </a:r>
+            <a:r>
+              <a:rPr lang="en-US" sz="1600" dirty="0" smtClean="0">
+                <a:latin typeface="Courier New" charset="0"/>
+                <a:ea typeface="Courier New" charset="0"/>
+                <a:cs typeface="Courier New" charset="0"/>
+              </a:rPr>
+              <a:t>forth</a:t>
+            </a:r>
+          </a:p>
+          <a:p>
+            <a:pPr marL="0" indent="0">
+              <a:buNone/>
+            </a:pPr>
+            <a:r>
+              <a:rPr lang="en-US" sz="1600" dirty="0">
+                <a:latin typeface="Courier New" charset="0"/>
+                <a:ea typeface="Courier New" charset="0"/>
+                <a:cs typeface="Courier New" charset="0"/>
+              </a:rPr>
+              <a:t>	</a:t>
+            </a:r>
+            <a:r>
+              <a:rPr lang="en-US" sz="1600" dirty="0" smtClean="0">
+                <a:latin typeface="Courier New" charset="0"/>
+                <a:ea typeface="Courier New" charset="0"/>
+                <a:cs typeface="Courier New" charset="0"/>
+              </a:rPr>
+              <a:t>	…</a:t>
+            </a:r>
+          </a:p>
+          <a:p>
+            <a:pPr marL="0" indent="0">
+              <a:buNone/>
+            </a:pPr>
+            <a:r>
+              <a:rPr lang="en-US" sz="1600" dirty="0">
+                <a:latin typeface="Courier New" charset="0"/>
+                <a:ea typeface="Courier New" charset="0"/>
+                <a:cs typeface="Courier New" charset="0"/>
+              </a:rPr>
+              <a:t>	</a:t>
+            </a:r>
+            <a:r>
+              <a:rPr lang="en-US" sz="1600" dirty="0" smtClean="0">
+                <a:latin typeface="Courier New" charset="0"/>
+                <a:ea typeface="Courier New" charset="0"/>
+                <a:cs typeface="Courier New" charset="0"/>
+              </a:rPr>
+              <a:t>}</a:t>
+            </a:r>
+          </a:p>
+          <a:p>
+            <a:pPr marL="0" indent="0">
+              <a:buNone/>
+            </a:pPr>
+            <a:r>
+              <a:rPr lang="en-US" sz="1600" dirty="0">
+                <a:latin typeface="Courier New" charset="0"/>
+                <a:ea typeface="Courier New" charset="0"/>
+                <a:cs typeface="Courier New" charset="0"/>
+              </a:rPr>
+              <a:t>}</a:t>
+            </a:r>
+          </a:p>
+        </p:txBody>
+      </p:sp>
       <p:sp>
         <p:nvSpPr>
           <p:cNvPr id="4" name="Title 3"/>
@@ -13862,7 +13700,7 @@
           <a:p>
             <a:r>
               <a:rPr lang="en-US" dirty="0" smtClean="0"/>
-              <a:t>DATA STRUCTURES</a:t>
+              <a:t>Java Arrays</a:t>
             </a:r>
             <a:endParaRPr lang="en-US" dirty="0"/>
           </a:p>
@@ -13871,7 +13709,7 @@
     </p:spTree>
     <p:extLst>
       <p:ext uri="{BB962C8B-B14F-4D97-AF65-F5344CB8AC3E}">
-        <p14:creationId xmlns:p14="http://schemas.microsoft.com/office/powerpoint/2010/main" val="838495841"/>
+        <p14:creationId xmlns:p14="http://schemas.microsoft.com/office/powerpoint/2010/main" val="1224500709"/>
       </p:ext>
     </p:extLst>
   </p:cSld>
@@ -13915,37 +13753,7 @@
           <a:p>
             <a:r>
               <a:rPr lang="en-US" dirty="0" smtClean="0"/>
-              <a:t>Most list come in one of two flavors: </a:t>
-            </a:r>
-            <a:r>
-              <a:rPr lang="en-US" i="1" dirty="0" smtClean="0"/>
-              <a:t>Array </a:t>
-            </a:r>
-            <a:r>
-              <a:rPr lang="en-US" dirty="0" smtClean="0"/>
-              <a:t>or </a:t>
-            </a:r>
-            <a:r>
-              <a:rPr lang="en-US" i="1" dirty="0" smtClean="0"/>
-              <a:t>Linked</a:t>
-            </a:r>
-          </a:p>
-          <a:p>
-            <a:pPr marL="0" indent="0">
-              <a:buNone/>
-            </a:pPr>
-            <a:endParaRPr lang="en-US" i="1" dirty="0" smtClean="0"/>
-          </a:p>
-          <a:p>
-            <a:r>
-              <a:rPr lang="en-US" dirty="0" smtClean="0"/>
-              <a:t>Array lists are stored in contiguous memory</a:t>
-            </a:r>
-          </a:p>
-          <a:p>
-            <a:r>
-              <a:rPr lang="en-US" dirty="0" smtClean="0"/>
-              <a:t>Array lists offer quick access to stored elements, but are slow to insert and delete anywhere but the end</a:t>
+              <a:t>There are initialization shortcuts</a:t>
             </a:r>
           </a:p>
           <a:p>
@@ -13955,22 +13763,60 @@
             <a:endParaRPr lang="en-US" dirty="0" smtClean="0"/>
           </a:p>
           <a:p>
-            <a:r>
-              <a:rPr lang="en-US" dirty="0" smtClean="0"/>
-              <a:t>Linked lists are not stored in contiguous memory; instead they contain the address of the next node</a:t>
-            </a:r>
-          </a:p>
-          <a:p>
-            <a:r>
-              <a:rPr lang="en-US" dirty="0" smtClean="0"/>
-              <a:t>Linked lists sacrifice some of the access time for quick inserts and deletes</a:t>
-            </a:r>
-          </a:p>
-        </p:txBody>
-      </p:sp>
-      <p:sp>
-        <p:nvSpPr>
-          <p:cNvPr id="4" name="Title 3"/>
+            <a:pPr marL="0" indent="0">
+              <a:buNone/>
+            </a:pPr>
+            <a:r>
+              <a:rPr lang="tr-TR" sz="1600" dirty="0" err="1">
+                <a:latin typeface="Courier New" charset="0"/>
+                <a:ea typeface="Courier New" charset="0"/>
+                <a:cs typeface="Courier New" charset="0"/>
+              </a:rPr>
+              <a:t>int</a:t>
+            </a:r>
+            <a:r>
+              <a:rPr lang="tr-TR" sz="1600" dirty="0">
+                <a:latin typeface="Courier New" charset="0"/>
+                <a:ea typeface="Courier New" charset="0"/>
+                <a:cs typeface="Courier New" charset="0"/>
+              </a:rPr>
+              <a:t>[] </a:t>
+            </a:r>
+            <a:r>
+              <a:rPr lang="tr-TR" sz="1600" dirty="0" err="1">
+                <a:latin typeface="Courier New" charset="0"/>
+                <a:ea typeface="Courier New" charset="0"/>
+                <a:cs typeface="Courier New" charset="0"/>
+              </a:rPr>
+              <a:t>anArray</a:t>
+            </a:r>
+            <a:r>
+              <a:rPr lang="tr-TR" sz="1600" dirty="0">
+                <a:latin typeface="Courier New" charset="0"/>
+                <a:ea typeface="Courier New" charset="0"/>
+                <a:cs typeface="Courier New" charset="0"/>
+              </a:rPr>
+              <a:t> = { 100</a:t>
+            </a:r>
+            <a:r>
+              <a:rPr lang="tr-TR" sz="1600" dirty="0" smtClean="0">
+                <a:latin typeface="Courier New" charset="0"/>
+                <a:ea typeface="Courier New" charset="0"/>
+                <a:cs typeface="Courier New" charset="0"/>
+              </a:rPr>
+              <a:t>, 200, 300, 400, 500};</a:t>
+            </a:r>
+            <a:endParaRPr lang="en-US" sz="1600" dirty="0">
+              <a:latin typeface="Courier New" charset="0"/>
+              <a:ea typeface="Courier New" charset="0"/>
+              <a:cs typeface="Courier New" charset="0"/>
+            </a:endParaRPr>
+          </a:p>
+        </p:txBody>
+      </p:sp>
+      <p:sp>
+        <p:nvSpPr>
+          <p:cNvPr id="3" name="Title 2"/>
           <p:cNvSpPr>
             <a:spLocks noGrp="1"/>
           </p:cNvSpPr>
@@ -13984,12 +13830,8 @@
           <a:lstStyle/>
           <a:p>
             <a:r>
-              <a:rPr lang="en-US" dirty="0"/>
-              <a:t>DATA </a:t>
-            </a:r>
-            <a:r>
-              <a:rPr lang="en-US" dirty="0" smtClean="0"/>
-              <a:t>STRUCTURES - Lists</a:t>
+              <a:rPr lang="en-US" dirty="0" smtClean="0"/>
+              <a:t>Java Arrays</a:t>
             </a:r>
             <a:endParaRPr lang="en-US" dirty="0"/>
           </a:p>
@@ -13998,7 +13840,7 @@
     </p:spTree>
     <p:extLst>
       <p:ext uri="{BB962C8B-B14F-4D97-AF65-F5344CB8AC3E}">
-        <p14:creationId xmlns:p14="http://schemas.microsoft.com/office/powerpoint/2010/main" val="2121458535"/>
+        <p14:creationId xmlns:p14="http://schemas.microsoft.com/office/powerpoint/2010/main" val="1545159857"/>
       </p:ext>
     </p:extLst>
   </p:cSld>
@@ -14027,12 +13869,12 @@
       </p:grpSpPr>
       <p:sp>
         <p:nvSpPr>
-          <p:cNvPr id="5" name="Content Placeholder 4"/>
-          <p:cNvSpPr>
-            <a:spLocks noGrp="1"/>
-          </p:cNvSpPr>
-          <p:nvPr>
-            <p:ph sz="half" idx="1"/>
+          <p:cNvPr id="2" name="Content Placeholder 1"/>
+          <p:cNvSpPr>
+            <a:spLocks noGrp="1"/>
+          </p:cNvSpPr>
+          <p:nvPr>
+            <p:ph idx="1"/>
           </p:nvPr>
         </p:nvSpPr>
         <p:spPr/>
@@ -14042,96 +13884,362 @@
           <a:p>
             <a:r>
               <a:rPr lang="en-US" dirty="0" smtClean="0"/>
-              <a:t>A </a:t>
-            </a:r>
-            <a:r>
-              <a:rPr lang="en-US" i="1" dirty="0" smtClean="0"/>
-              <a:t>stack</a:t>
-            </a:r>
-            <a:r>
-              <a:rPr lang="en-US" dirty="0" smtClean="0"/>
-              <a:t> is a list with the restriction that inserts and deletes can only occur at the end or </a:t>
-            </a:r>
-            <a:r>
-              <a:rPr lang="en-US" i="1" dirty="0" smtClean="0"/>
-              <a:t>top </a:t>
-            </a:r>
-            <a:r>
-              <a:rPr lang="en-US" dirty="0" smtClean="0"/>
-              <a:t>of the list</a:t>
-            </a:r>
-          </a:p>
-          <a:p>
-            <a:r>
-              <a:rPr lang="en-US" dirty="0" smtClean="0"/>
-              <a:t>Only the top is accessible</a:t>
-            </a:r>
-          </a:p>
-          <a:p>
-            <a:r>
-              <a:rPr lang="en-US" dirty="0" smtClean="0"/>
-              <a:t>Two operations: </a:t>
-            </a:r>
-            <a:r>
-              <a:rPr lang="en-US" i="1" dirty="0" smtClean="0"/>
-              <a:t>push</a:t>
-            </a:r>
-            <a:r>
-              <a:rPr lang="en-US" dirty="0" smtClean="0"/>
-              <a:t> and </a:t>
-            </a:r>
-            <a:r>
-              <a:rPr lang="en-US" i="1" dirty="0" smtClean="0"/>
-              <a:t>pop</a:t>
-            </a:r>
-          </a:p>
-          <a:p>
-            <a:r>
-              <a:rPr lang="en-US" dirty="0" smtClean="0"/>
-              <a:t>Last In First Out (LIFO)</a:t>
-            </a:r>
-          </a:p>
-          <a:p>
-            <a:r>
-              <a:rPr lang="en-US" dirty="0" smtClean="0"/>
-              <a:t>What are some use cases?</a:t>
-            </a:r>
-            <a:endParaRPr lang="en-US" dirty="0"/>
-          </a:p>
-        </p:txBody>
-      </p:sp>
-      <p:pic>
-        <p:nvPicPr>
-          <p:cNvPr id="7" name="Content Placeholder 6"/>
-          <p:cNvPicPr>
-            <a:picLocks noGrp="1" noChangeAspect="1"/>
-          </p:cNvPicPr>
-          <p:nvPr>
-            <p:ph sz="half" idx="2"/>
-          </p:nvPr>
-        </p:nvPicPr>
-        <p:blipFill>
-          <a:blip r:embed="rId2">
-            <a:extLst>
-              <a:ext uri="{28A0092B-C50C-407E-A947-70E740481C1C}">
-                <a14:useLocalDpi xmlns:a14="http://schemas.microsoft.com/office/drawing/2010/main" val="0"/>
-              </a:ext>
-            </a:extLst>
-          </a:blip>
-          <a:stretch>
-            <a:fillRect/>
-          </a:stretch>
-        </p:blipFill>
-        <p:spPr>
-          <a:xfrm>
-            <a:off x="4648200" y="2114927"/>
-            <a:ext cx="4210050" cy="2815470"/>
-          </a:xfrm>
-        </p:spPr>
-      </p:pic>
-      <p:sp>
-        <p:nvSpPr>
-          <p:cNvPr id="4" name="Title 3"/>
+              <a:t>And multidimensional arrays</a:t>
+            </a:r>
+          </a:p>
+          <a:p>
+            <a:endParaRPr lang="en-US" sz="1600" dirty="0">
+              <a:latin typeface="Courier New" charset="0"/>
+              <a:ea typeface="Courier New" charset="0"/>
+              <a:cs typeface="Courier New" charset="0"/>
+            </a:endParaRPr>
+          </a:p>
+          <a:p>
+            <a:pPr marL="0" indent="0">
+              <a:buNone/>
+            </a:pPr>
+            <a:r>
+              <a:rPr lang="en-US" sz="1600" dirty="0" smtClean="0">
+                <a:latin typeface="Courier New" charset="0"/>
+                <a:ea typeface="Courier New" charset="0"/>
+                <a:cs typeface="Courier New" charset="0"/>
+              </a:rPr>
+              <a:t>Public class </a:t>
+            </a:r>
+            <a:r>
+              <a:rPr lang="en-US" sz="1600" dirty="0" err="1">
+                <a:latin typeface="Courier New" charset="0"/>
+                <a:ea typeface="Courier New" charset="0"/>
+                <a:cs typeface="Courier New" charset="0"/>
+              </a:rPr>
+              <a:t>MultiDimArrayDemo</a:t>
+            </a:r>
+            <a:r>
+              <a:rPr lang="en-US" sz="1600" dirty="0">
+                <a:latin typeface="Courier New" charset="0"/>
+                <a:ea typeface="Courier New" charset="0"/>
+                <a:cs typeface="Courier New" charset="0"/>
+              </a:rPr>
+              <a:t> { </a:t>
+            </a:r>
+            <a:endParaRPr lang="en-US" sz="1600" dirty="0" smtClean="0">
+              <a:latin typeface="Courier New" charset="0"/>
+              <a:ea typeface="Courier New" charset="0"/>
+              <a:cs typeface="Courier New" charset="0"/>
+            </a:endParaRPr>
+          </a:p>
+          <a:p>
+            <a:pPr marL="0" indent="0">
+              <a:buNone/>
+            </a:pPr>
+            <a:r>
+              <a:rPr lang="en-US" sz="1600" dirty="0">
+                <a:latin typeface="Courier New" charset="0"/>
+                <a:ea typeface="Courier New" charset="0"/>
+                <a:cs typeface="Courier New" charset="0"/>
+              </a:rPr>
+              <a:t>	</a:t>
+            </a:r>
+            <a:r>
+              <a:rPr lang="en-US" sz="1600" dirty="0" smtClean="0">
+                <a:latin typeface="Courier New" charset="0"/>
+                <a:ea typeface="Courier New" charset="0"/>
+                <a:cs typeface="Courier New" charset="0"/>
+              </a:rPr>
+              <a:t>public </a:t>
+            </a:r>
+            <a:r>
+              <a:rPr lang="en-US" sz="1600" dirty="0">
+                <a:latin typeface="Courier New" charset="0"/>
+                <a:ea typeface="Courier New" charset="0"/>
+                <a:cs typeface="Courier New" charset="0"/>
+              </a:rPr>
+              <a:t>static void main(String[] </a:t>
+            </a:r>
+            <a:r>
+              <a:rPr lang="en-US" sz="1600" dirty="0" err="1">
+                <a:latin typeface="Courier New" charset="0"/>
+                <a:ea typeface="Courier New" charset="0"/>
+                <a:cs typeface="Courier New" charset="0"/>
+              </a:rPr>
+              <a:t>args</a:t>
+            </a:r>
+            <a:r>
+              <a:rPr lang="en-US" sz="1600" dirty="0">
+                <a:latin typeface="Courier New" charset="0"/>
+                <a:ea typeface="Courier New" charset="0"/>
+                <a:cs typeface="Courier New" charset="0"/>
+              </a:rPr>
+              <a:t>) { </a:t>
+            </a:r>
+            <a:endParaRPr lang="en-US" sz="1600" dirty="0" smtClean="0">
+              <a:latin typeface="Courier New" charset="0"/>
+              <a:ea typeface="Courier New" charset="0"/>
+              <a:cs typeface="Courier New" charset="0"/>
+            </a:endParaRPr>
+          </a:p>
+          <a:p>
+            <a:pPr marL="0" indent="0">
+              <a:buNone/>
+            </a:pPr>
+            <a:r>
+              <a:rPr lang="en-US" sz="1600" dirty="0">
+                <a:latin typeface="Courier New" charset="0"/>
+                <a:ea typeface="Courier New" charset="0"/>
+                <a:cs typeface="Courier New" charset="0"/>
+              </a:rPr>
+              <a:t>	</a:t>
+            </a:r>
+            <a:r>
+              <a:rPr lang="en-US" sz="1600" dirty="0" smtClean="0">
+                <a:latin typeface="Courier New" charset="0"/>
+                <a:ea typeface="Courier New" charset="0"/>
+                <a:cs typeface="Courier New" charset="0"/>
+              </a:rPr>
+              <a:t>	String</a:t>
+            </a:r>
+            <a:r>
+              <a:rPr lang="en-US" sz="1600" dirty="0">
+                <a:latin typeface="Courier New" charset="0"/>
+                <a:ea typeface="Courier New" charset="0"/>
+                <a:cs typeface="Courier New" charset="0"/>
+              </a:rPr>
+              <a:t>[][] names = { {"Mr. ", "Mrs. ", "Ms. "}, </a:t>
+            </a:r>
+            <a:r>
+              <a:rPr lang="en-US" sz="1600" dirty="0" smtClean="0">
+                <a:latin typeface="Courier New" charset="0"/>
+                <a:ea typeface="Courier New" charset="0"/>
+                <a:cs typeface="Courier New" charset="0"/>
+              </a:rPr>
+              <a:t>					      {"</a:t>
+            </a:r>
+            <a:r>
+              <a:rPr lang="en-US" sz="1600" dirty="0">
+                <a:latin typeface="Courier New" charset="0"/>
+                <a:ea typeface="Courier New" charset="0"/>
+                <a:cs typeface="Courier New" charset="0"/>
+              </a:rPr>
+              <a:t>Smith", "Jones"} }; </a:t>
+            </a:r>
+            <a:endParaRPr lang="en-US" sz="1600" dirty="0" smtClean="0">
+              <a:latin typeface="Courier New" charset="0"/>
+              <a:ea typeface="Courier New" charset="0"/>
+              <a:cs typeface="Courier New" charset="0"/>
+            </a:endParaRPr>
+          </a:p>
+          <a:p>
+            <a:pPr marL="0" indent="0">
+              <a:buNone/>
+            </a:pPr>
+            <a:r>
+              <a:rPr lang="en-US" sz="1600" dirty="0">
+                <a:latin typeface="Courier New" charset="0"/>
+                <a:ea typeface="Courier New" charset="0"/>
+                <a:cs typeface="Courier New" charset="0"/>
+              </a:rPr>
+              <a:t>	</a:t>
+            </a:r>
+            <a:r>
+              <a:rPr lang="en-US" sz="1600" dirty="0" smtClean="0">
+                <a:latin typeface="Courier New" charset="0"/>
+                <a:ea typeface="Courier New" charset="0"/>
+                <a:cs typeface="Courier New" charset="0"/>
+              </a:rPr>
+              <a:t>	// </a:t>
+            </a:r>
+            <a:r>
+              <a:rPr lang="en-US" sz="1600" dirty="0">
+                <a:latin typeface="Courier New" charset="0"/>
+                <a:ea typeface="Courier New" charset="0"/>
+                <a:cs typeface="Courier New" charset="0"/>
+              </a:rPr>
+              <a:t>Mr. Smith </a:t>
+            </a:r>
+            <a:endParaRPr lang="en-US" sz="1600" dirty="0" smtClean="0">
+              <a:latin typeface="Courier New" charset="0"/>
+              <a:ea typeface="Courier New" charset="0"/>
+              <a:cs typeface="Courier New" charset="0"/>
+            </a:endParaRPr>
+          </a:p>
+          <a:p>
+            <a:pPr marL="0" indent="0">
+              <a:buNone/>
+            </a:pPr>
+            <a:r>
+              <a:rPr lang="en-US" sz="1600" dirty="0">
+                <a:latin typeface="Courier New" charset="0"/>
+                <a:ea typeface="Courier New" charset="0"/>
+                <a:cs typeface="Courier New" charset="0"/>
+              </a:rPr>
+              <a:t>	</a:t>
+            </a:r>
+            <a:r>
+              <a:rPr lang="en-US" sz="1600" dirty="0" smtClean="0">
+                <a:latin typeface="Courier New" charset="0"/>
+                <a:ea typeface="Courier New" charset="0"/>
+                <a:cs typeface="Courier New" charset="0"/>
+              </a:rPr>
+              <a:t>	</a:t>
+            </a:r>
+            <a:r>
+              <a:rPr lang="en-US" sz="1600" dirty="0" err="1" smtClean="0">
+                <a:latin typeface="Courier New" charset="0"/>
+                <a:ea typeface="Courier New" charset="0"/>
+                <a:cs typeface="Courier New" charset="0"/>
+              </a:rPr>
+              <a:t>System.out.println</a:t>
+            </a:r>
+            <a:r>
+              <a:rPr lang="en-US" sz="1600" dirty="0" smtClean="0">
+                <a:latin typeface="Courier New" charset="0"/>
+                <a:ea typeface="Courier New" charset="0"/>
+                <a:cs typeface="Courier New" charset="0"/>
+              </a:rPr>
+              <a:t>(names[0</a:t>
+            </a:r>
+            <a:r>
+              <a:rPr lang="en-US" sz="1600" dirty="0">
+                <a:latin typeface="Courier New" charset="0"/>
+                <a:ea typeface="Courier New" charset="0"/>
+                <a:cs typeface="Courier New" charset="0"/>
+              </a:rPr>
+              <a:t>][0] + names[1][0]); </a:t>
+            </a:r>
+            <a:endParaRPr lang="en-US" sz="1600" dirty="0" smtClean="0">
+              <a:latin typeface="Courier New" charset="0"/>
+              <a:ea typeface="Courier New" charset="0"/>
+              <a:cs typeface="Courier New" charset="0"/>
+            </a:endParaRPr>
+          </a:p>
+          <a:p>
+            <a:pPr marL="0" indent="0">
+              <a:buNone/>
+            </a:pPr>
+            <a:r>
+              <a:rPr lang="en-US" sz="1600" dirty="0">
+                <a:latin typeface="Courier New" charset="0"/>
+                <a:ea typeface="Courier New" charset="0"/>
+                <a:cs typeface="Courier New" charset="0"/>
+              </a:rPr>
+              <a:t>	</a:t>
+            </a:r>
+            <a:r>
+              <a:rPr lang="en-US" sz="1600" dirty="0" smtClean="0">
+                <a:latin typeface="Courier New" charset="0"/>
+                <a:ea typeface="Courier New" charset="0"/>
+                <a:cs typeface="Courier New" charset="0"/>
+              </a:rPr>
+              <a:t>	// </a:t>
+            </a:r>
+            <a:r>
+              <a:rPr lang="en-US" sz="1600" dirty="0">
+                <a:latin typeface="Courier New" charset="0"/>
+                <a:ea typeface="Courier New" charset="0"/>
+                <a:cs typeface="Courier New" charset="0"/>
+              </a:rPr>
+              <a:t>Ms. Jones </a:t>
+            </a:r>
+            <a:endParaRPr lang="en-US" sz="1600" dirty="0" smtClean="0">
+              <a:latin typeface="Courier New" charset="0"/>
+              <a:ea typeface="Courier New" charset="0"/>
+              <a:cs typeface="Courier New" charset="0"/>
+            </a:endParaRPr>
+          </a:p>
+          <a:p>
+            <a:pPr marL="0" indent="0">
+              <a:buNone/>
+            </a:pPr>
+            <a:r>
+              <a:rPr lang="en-US" sz="1600" dirty="0">
+                <a:latin typeface="Courier New" charset="0"/>
+                <a:ea typeface="Courier New" charset="0"/>
+                <a:cs typeface="Courier New" charset="0"/>
+              </a:rPr>
+              <a:t>	</a:t>
+            </a:r>
+            <a:r>
+              <a:rPr lang="en-US" sz="1600" dirty="0" smtClean="0">
+                <a:latin typeface="Courier New" charset="0"/>
+                <a:ea typeface="Courier New" charset="0"/>
+                <a:cs typeface="Courier New" charset="0"/>
+              </a:rPr>
+              <a:t>	</a:t>
+            </a:r>
+            <a:r>
+              <a:rPr lang="en-US" sz="1600" dirty="0" err="1" smtClean="0">
+                <a:latin typeface="Courier New" charset="0"/>
+                <a:ea typeface="Courier New" charset="0"/>
+                <a:cs typeface="Courier New" charset="0"/>
+              </a:rPr>
+              <a:t>System.out.println</a:t>
+            </a:r>
+            <a:r>
+              <a:rPr lang="en-US" sz="1600" dirty="0" smtClean="0">
+                <a:latin typeface="Courier New" charset="0"/>
+                <a:ea typeface="Courier New" charset="0"/>
+                <a:cs typeface="Courier New" charset="0"/>
+              </a:rPr>
+              <a:t>(names[0</a:t>
+            </a:r>
+            <a:r>
+              <a:rPr lang="en-US" sz="1600" dirty="0">
+                <a:latin typeface="Courier New" charset="0"/>
+                <a:ea typeface="Courier New" charset="0"/>
+                <a:cs typeface="Courier New" charset="0"/>
+              </a:rPr>
+              <a:t>][2] + names[1][1]); </a:t>
+            </a:r>
+            <a:endParaRPr lang="en-US" sz="1600" dirty="0" smtClean="0">
+              <a:latin typeface="Courier New" charset="0"/>
+              <a:ea typeface="Courier New" charset="0"/>
+              <a:cs typeface="Courier New" charset="0"/>
+            </a:endParaRPr>
+          </a:p>
+          <a:p>
+            <a:pPr marL="0" indent="0">
+              <a:buNone/>
+            </a:pPr>
+            <a:r>
+              <a:rPr lang="en-US" sz="1600" dirty="0">
+                <a:latin typeface="Courier New" charset="0"/>
+                <a:ea typeface="Courier New" charset="0"/>
+                <a:cs typeface="Courier New" charset="0"/>
+              </a:rPr>
+              <a:t>	</a:t>
+            </a:r>
+            <a:r>
+              <a:rPr lang="en-US" sz="1600" dirty="0" smtClean="0">
+                <a:latin typeface="Courier New" charset="0"/>
+                <a:ea typeface="Courier New" charset="0"/>
+                <a:cs typeface="Courier New" charset="0"/>
+              </a:rPr>
+              <a:t>} </a:t>
+            </a:r>
+          </a:p>
+          <a:p>
+            <a:pPr marL="0" indent="0">
+              <a:buNone/>
+            </a:pPr>
+            <a:r>
+              <a:rPr lang="en-US" sz="1600" dirty="0" smtClean="0">
+                <a:latin typeface="Courier New" charset="0"/>
+                <a:ea typeface="Courier New" charset="0"/>
+                <a:cs typeface="Courier New" charset="0"/>
+              </a:rPr>
+              <a:t>}</a:t>
+            </a:r>
+            <a:endParaRPr lang="en-US" sz="1600" dirty="0">
+              <a:latin typeface="Courier New" charset="0"/>
+              <a:ea typeface="Courier New" charset="0"/>
+              <a:cs typeface="Courier New" charset="0"/>
+            </a:endParaRPr>
+          </a:p>
+        </p:txBody>
+      </p:sp>
+      <p:sp>
+        <p:nvSpPr>
+          <p:cNvPr id="3" name="Title 2"/>
           <p:cNvSpPr>
             <a:spLocks noGrp="1"/>
           </p:cNvSpPr>
@@ -14146,7 +14254,7 @@
           <a:p>
             <a:r>
               <a:rPr lang="en-US" dirty="0" smtClean="0"/>
-              <a:t>Data Structures - Stacks</a:t>
+              <a:t>Java Arrays</a:t>
             </a:r>
             <a:endParaRPr lang="en-US" dirty="0"/>
           </a:p>
@@ -14155,7 +14263,7 @@
     </p:spTree>
     <p:extLst>
       <p:ext uri="{BB962C8B-B14F-4D97-AF65-F5344CB8AC3E}">
-        <p14:creationId xmlns:p14="http://schemas.microsoft.com/office/powerpoint/2010/main" val="1691572322"/>
+        <p14:creationId xmlns:p14="http://schemas.microsoft.com/office/powerpoint/2010/main" val="1870653267"/>
       </p:ext>
     </p:extLst>
   </p:cSld>
@@ -14184,12 +14292,12 @@
       </p:grpSpPr>
       <p:sp>
         <p:nvSpPr>
-          <p:cNvPr id="5" name="Content Placeholder 4"/>
-          <p:cNvSpPr>
-            <a:spLocks noGrp="1"/>
-          </p:cNvSpPr>
-          <p:nvPr>
-            <p:ph sz="half" idx="1"/>
+          <p:cNvPr id="2" name="Content Placeholder 1"/>
+          <p:cNvSpPr>
+            <a:spLocks noGrp="1"/>
+          </p:cNvSpPr>
+          <p:nvPr>
+            <p:ph idx="1"/>
           </p:nvPr>
         </p:nvSpPr>
         <p:spPr/>
@@ -14199,46 +14307,7 @@
           <a:p>
             <a:r>
               <a:rPr lang="en-US" dirty="0" smtClean="0"/>
-              <a:t>A </a:t>
-            </a:r>
-            <a:r>
-              <a:rPr lang="en-US" i="1" dirty="0" smtClean="0"/>
-              <a:t>queue </a:t>
-            </a:r>
-            <a:r>
-              <a:rPr lang="en-US" dirty="0" smtClean="0"/>
-              <a:t>is a list where inserts are restricted to one side and deletes are restricted to the other</a:t>
-            </a:r>
-          </a:p>
-          <a:p>
-            <a:r>
-              <a:rPr lang="en-US" dirty="0" smtClean="0"/>
-              <a:t>Two operations: </a:t>
-            </a:r>
-            <a:r>
-              <a:rPr lang="en-US" i="1" dirty="0" err="1" smtClean="0"/>
-              <a:t>enqueue</a:t>
-            </a:r>
-            <a:r>
-              <a:rPr lang="en-US" dirty="0" smtClean="0"/>
-              <a:t> and </a:t>
-            </a:r>
-            <a:r>
-              <a:rPr lang="en-US" i="1" dirty="0" err="1" smtClean="0"/>
-              <a:t>dequeue</a:t>
-            </a:r>
-            <a:endParaRPr lang="en-US" i="1" dirty="0" smtClean="0"/>
-          </a:p>
-          <a:p>
-            <a:r>
-              <a:rPr lang="en-US" dirty="0" smtClean="0"/>
-              <a:t>First In First Out (FIFO)</a:t>
-            </a:r>
-          </a:p>
-          <a:p>
-            <a:r>
-              <a:rPr lang="en-US" dirty="0" smtClean="0"/>
-              <a:t>What are some use cases?</a:t>
+              <a:t>Lets look at the Arrays utility class</a:t>
             </a:r>
             <a:endParaRPr lang="en-US" dirty="0"/>
           </a:p>
@@ -14246,7 +14315,7 @@
       </p:sp>
       <p:sp>
         <p:nvSpPr>
-          <p:cNvPr id="4" name="Title 3"/>
+          <p:cNvPr id="3" name="Title 2"/>
           <p:cNvSpPr>
             <a:spLocks noGrp="1"/>
           </p:cNvSpPr>
@@ -14261,45 +14330,16 @@
           <a:p>
             <a:r>
               <a:rPr lang="en-US" dirty="0" smtClean="0"/>
-              <a:t>Data Structures – Queues</a:t>
+              <a:t>Java Arrays</a:t>
             </a:r>
             <a:endParaRPr lang="en-US" dirty="0"/>
           </a:p>
         </p:txBody>
       </p:sp>
-      <p:pic>
-        <p:nvPicPr>
-          <p:cNvPr id="3" name="Content Placeholder 2"/>
-          <p:cNvPicPr>
-            <a:picLocks noGrp="1" noChangeAspect="1"/>
-          </p:cNvPicPr>
-          <p:nvPr>
-            <p:ph sz="half" idx="2"/>
-          </p:nvPr>
-        </p:nvPicPr>
-        <p:blipFill>
-          <a:blip r:embed="rId2">
-            <a:extLst>
-              <a:ext uri="{28A0092B-C50C-407E-A947-70E740481C1C}">
-                <a14:useLocalDpi xmlns:a14="http://schemas.microsoft.com/office/drawing/2010/main" val="0"/>
-              </a:ext>
-            </a:extLst>
-          </a:blip>
-          <a:stretch>
-            <a:fillRect/>
-          </a:stretch>
-        </p:blipFill>
-        <p:spPr>
-          <a:xfrm>
-            <a:off x="4648200" y="1417637"/>
-            <a:ext cx="4210050" cy="4210050"/>
-          </a:xfrm>
-        </p:spPr>
-      </p:pic>
     </p:spTree>
     <p:extLst>
       <p:ext uri="{BB962C8B-B14F-4D97-AF65-F5344CB8AC3E}">
-        <p14:creationId xmlns:p14="http://schemas.microsoft.com/office/powerpoint/2010/main" val="774587150"/>
+        <p14:creationId xmlns:p14="http://schemas.microsoft.com/office/powerpoint/2010/main" val="435754478"/>
       </p:ext>
     </p:extLst>
   </p:cSld>
@@ -14333,7 +14373,7 @@
             <a:spLocks noGrp="1"/>
           </p:cNvSpPr>
           <p:nvPr>
-            <p:ph sz="half" idx="1"/>
+            <p:ph idx="1"/>
           </p:nvPr>
         </p:nvSpPr>
         <p:spPr/>
@@ -14343,94 +14383,68 @@
           <a:p>
             <a:r>
               <a:rPr lang="en-US" dirty="0" smtClean="0"/>
-              <a:t>A tree is a collection of nodes</a:t>
-            </a:r>
-          </a:p>
-          <a:p>
-            <a:r>
-              <a:rPr lang="en-US" dirty="0" smtClean="0"/>
-              <a:t>There is one </a:t>
-            </a:r>
-            <a:r>
-              <a:rPr lang="en-US" i="1" dirty="0" smtClean="0"/>
-              <a:t>root node</a:t>
-            </a:r>
-          </a:p>
-          <a:p>
-            <a:r>
-              <a:rPr lang="en-US" dirty="0" smtClean="0"/>
-              <a:t>The root connects to zero or more nodes</a:t>
-            </a:r>
-          </a:p>
-          <a:p>
-            <a:r>
-              <a:rPr lang="en-US" dirty="0" smtClean="0"/>
-              <a:t>Each of those nodes can be considered to be a root of a </a:t>
+              <a:t>Java provides us with the Collection interface</a:t>
+            </a:r>
+          </a:p>
+          <a:p>
+            <a:r>
+              <a:rPr lang="en-US" dirty="0" smtClean="0"/>
+              <a:t>Collection is a generic type, which means we can define what type of object it will hold</a:t>
+            </a:r>
+          </a:p>
+          <a:p>
+            <a:r>
+              <a:rPr lang="en-US" dirty="0" smtClean="0"/>
+              <a:t>The Collection framework has a large number of data structures implemented and ready to use</a:t>
+            </a:r>
+            <a:endParaRPr lang="en-US" dirty="0"/>
+          </a:p>
+          <a:p>
+            <a:r>
+              <a:rPr lang="en-US" dirty="0" smtClean="0"/>
+              <a:t>Import from </a:t>
             </a:r>
             <a:r>
               <a:rPr lang="en-US" dirty="0" err="1" smtClean="0"/>
-              <a:t>subtree</a:t>
+              <a:t>java.util</a:t>
+            </a:r>
+            <a:endParaRPr lang="en-US" dirty="0" smtClean="0"/>
+          </a:p>
+          <a:p>
+            <a:r>
+              <a:rPr lang="en-US" dirty="0" smtClean="0"/>
+              <a:t>Lets take a look</a:t>
+            </a:r>
+          </a:p>
+        </p:txBody>
+      </p:sp>
+      <p:sp>
+        <p:nvSpPr>
+          <p:cNvPr id="3" name="Title 2"/>
+          <p:cNvSpPr>
+            <a:spLocks noGrp="1"/>
+          </p:cNvSpPr>
+          <p:nvPr>
+            <p:ph type="title"/>
+          </p:nvPr>
+        </p:nvSpPr>
+        <p:spPr/>
+        <p:txBody>
+          <a:bodyPr/>
+          <a:lstStyle/>
+          <a:p>
+            <a:r>
+              <a:rPr lang="en-US" dirty="0" smtClean="0"/>
+              <a:t>Java Collections</a:t>
             </a:r>
             <a:endParaRPr lang="en-US" dirty="0"/>
           </a:p>
         </p:txBody>
       </p:sp>
-      <p:sp>
-        <p:nvSpPr>
-          <p:cNvPr id="4" name="Title 3"/>
-          <p:cNvSpPr>
-            <a:spLocks noGrp="1"/>
-          </p:cNvSpPr>
-          <p:nvPr>
-            <p:ph type="title"/>
-          </p:nvPr>
-        </p:nvSpPr>
-        <p:spPr/>
-        <p:txBody>
-          <a:bodyPr/>
-          <a:lstStyle/>
-          <a:p>
-            <a:r>
-              <a:rPr lang="en-US" dirty="0" smtClean="0"/>
-              <a:t>Data Structures – Trees </a:t>
-            </a:r>
-            <a:endParaRPr lang="en-US" dirty="0"/>
-          </a:p>
-        </p:txBody>
-      </p:sp>
-      <p:pic>
-        <p:nvPicPr>
-          <p:cNvPr id="5" name="Content Placeholder 4"/>
-          <p:cNvPicPr>
-            <a:picLocks noGrp="1" noChangeAspect="1"/>
-          </p:cNvPicPr>
-          <p:nvPr>
-            <p:ph sz="half" idx="2"/>
-          </p:nvPr>
-        </p:nvPicPr>
-        <p:blipFill>
-          <a:blip r:embed="rId2">
-            <a:extLst>
-              <a:ext uri="{28A0092B-C50C-407E-A947-70E740481C1C}">
-                <a14:useLocalDpi xmlns:a14="http://schemas.microsoft.com/office/drawing/2010/main" val="0"/>
-              </a:ext>
-            </a:extLst>
-          </a:blip>
-          <a:stretch>
-            <a:fillRect/>
-          </a:stretch>
-        </p:blipFill>
-        <p:spPr>
-          <a:xfrm>
-            <a:off x="4648200" y="1994822"/>
-            <a:ext cx="4210050" cy="3055681"/>
-          </a:xfrm>
-        </p:spPr>
-      </p:pic>
     </p:spTree>
     <p:extLst>
       <p:ext uri="{BB962C8B-B14F-4D97-AF65-F5344CB8AC3E}">
-        <p14:creationId xmlns:p14="http://schemas.microsoft.com/office/powerpoint/2010/main" val="1736654805"/>
+        <p14:creationId xmlns:p14="http://schemas.microsoft.com/office/powerpoint/2010/main" val="492782146"/>
       </p:ext>
     </p:extLst>
   </p:cSld>

--- a/presentations/Data Structures and Algorithms.pptx
+++ b/presentations/Data Structures and Algorithms.pptx
@@ -9113,6 +9113,13 @@
   <p:clrMapOvr>
     <a:masterClrMapping/>
   </p:clrMapOvr>
+  <p:timing>
+    <p:tnLst>
+      <p:par>
+        <p:cTn id="1" dur="indefinite" restart="never" nodeType="tmRoot"/>
+      </p:par>
+    </p:tnLst>
+  </p:timing>
 </p:sld>
 </file>
 
@@ -9240,6 +9247,13 @@
   <p:clrMapOvr>
     <a:masterClrMapping/>
   </p:clrMapOvr>
+  <p:timing>
+    <p:tnLst>
+      <p:par>
+        <p:cTn id="1" dur="indefinite" restart="never" nodeType="tmRoot"/>
+      </p:par>
+    </p:tnLst>
+  </p:timing>
 </p:sld>
 </file>
 
@@ -9397,6 +9411,13 @@
   <p:clrMapOvr>
     <a:masterClrMapping/>
   </p:clrMapOvr>
+  <p:timing>
+    <p:tnLst>
+      <p:par>
+        <p:cTn id="1" dur="indefinite" restart="never" nodeType="tmRoot"/>
+      </p:par>
+    </p:tnLst>
+  </p:timing>
 </p:sld>
 </file>
 
@@ -9541,6 +9562,13 @@
   <p:clrMapOvr>
     <a:masterClrMapping/>
   </p:clrMapOvr>
+  <p:timing>
+    <p:tnLst>
+      <p:par>
+        <p:cTn id="1" dur="indefinite" restart="never" nodeType="tmRoot"/>
+      </p:par>
+    </p:tnLst>
+  </p:timing>
 </p:sld>
 </file>
 
@@ -9672,6 +9700,13 @@
   <p:clrMapOvr>
     <a:masterClrMapping/>
   </p:clrMapOvr>
+  <p:timing>
+    <p:tnLst>
+      <p:par>
+        <p:cTn id="1" dur="indefinite" restart="never" nodeType="tmRoot"/>
+      </p:par>
+    </p:tnLst>
+  </p:timing>
 </p:sld>
 </file>
 
@@ -9833,6 +9868,13 @@
   <p:clrMapOvr>
     <a:masterClrMapping/>
   </p:clrMapOvr>
+  <p:timing>
+    <p:tnLst>
+      <p:par>
+        <p:cTn id="1" dur="indefinite" restart="never" nodeType="tmRoot"/>
+      </p:par>
+    </p:tnLst>
+  </p:timing>
 </p:sld>
 </file>
 
@@ -9950,6 +9992,13 @@
   <p:clrMapOvr>
     <a:masterClrMapping/>
   </p:clrMapOvr>
+  <p:timing>
+    <p:tnLst>
+      <p:par>
+        <p:cTn id="1" dur="indefinite" restart="never" nodeType="tmRoot"/>
+      </p:par>
+    </p:tnLst>
+  </p:timing>
 </p:sld>
 </file>
 
@@ -10258,6 +10307,13 @@
   <p:clrMapOvr>
     <a:masterClrMapping/>
   </p:clrMapOvr>
+  <p:timing>
+    <p:tnLst>
+      <p:par>
+        <p:cTn id="1" dur="indefinite" restart="never" nodeType="tmRoot"/>
+      </p:par>
+    </p:tnLst>
+  </p:timing>
 </p:sld>
 </file>
 
@@ -10522,6 +10578,13 @@
   <p:clrMapOvr>
     <a:masterClrMapping/>
   </p:clrMapOvr>
+  <p:timing>
+    <p:tnLst>
+      <p:par>
+        <p:cTn id="1" dur="indefinite" restart="never" nodeType="tmRoot"/>
+      </p:par>
+    </p:tnLst>
+  </p:timing>
 </p:sld>
 </file>
 
@@ -10658,6 +10721,13 @@
   <p:clrMapOvr>
     <a:masterClrMapping/>
   </p:clrMapOvr>
+  <p:timing>
+    <p:tnLst>
+      <p:par>
+        <p:cTn id="1" dur="indefinite" restart="never" nodeType="tmRoot"/>
+      </p:par>
+    </p:tnLst>
+  </p:timing>
 </p:sld>
 </file>
 
@@ -10860,6 +10930,13 @@
   <p:clrMapOvr>
     <a:masterClrMapping/>
   </p:clrMapOvr>
+  <p:timing>
+    <p:tnLst>
+      <p:par>
+        <p:cTn id="1" dur="indefinite" restart="never" nodeType="tmRoot"/>
+      </p:par>
+    </p:tnLst>
+  </p:timing>
 </p:sld>
 </file>
 
@@ -11126,6 +11203,13 @@
   <p:clrMapOvr>
     <a:masterClrMapping/>
   </p:clrMapOvr>
+  <p:timing>
+    <p:tnLst>
+      <p:par>
+        <p:cTn id="1" dur="indefinite" restart="never" nodeType="tmRoot"/>
+      </p:par>
+    </p:tnLst>
+  </p:timing>
 </p:sld>
 </file>
 
@@ -11426,6 +11510,13 @@
   <p:clrMapOvr>
     <a:masterClrMapping/>
   </p:clrMapOvr>
+  <p:timing>
+    <p:tnLst>
+      <p:par>
+        <p:cTn id="1" dur="indefinite" restart="never" nodeType="tmRoot"/>
+      </p:par>
+    </p:tnLst>
+  </p:timing>
 </p:sld>
 </file>
 
@@ -11742,6 +11833,13 @@
   <p:clrMapOvr>
     <a:masterClrMapping/>
   </p:clrMapOvr>
+  <p:timing>
+    <p:tnLst>
+      <p:par>
+        <p:cTn id="1" dur="indefinite" restart="never" nodeType="tmRoot"/>
+      </p:par>
+    </p:tnLst>
+  </p:timing>
 </p:sld>
 </file>
 
@@ -12512,6 +12610,13 @@
   <p:clrMapOvr>
     <a:masterClrMapping/>
   </p:clrMapOvr>
+  <p:timing>
+    <p:tnLst>
+      <p:par>
+        <p:cTn id="1" dur="indefinite" restart="never" nodeType="tmRoot"/>
+      </p:par>
+    </p:tnLst>
+  </p:timing>
 </p:sld>
 </file>
 
@@ -12931,10 +13036,9 @@
           </a:p>
           <a:p>
             <a:r>
-              <a:rPr lang="en-US"/>
+              <a:rPr lang="en-US" dirty="0"/>
               <a:t>Eclipse Demo</a:t>
             </a:r>
-            <a:endParaRPr lang="en-US" dirty="0"/>
           </a:p>
         </p:txBody>
       </p:sp>
@@ -13716,6 +13820,13 @@
   <p:clrMapOvr>
     <a:masterClrMapping/>
   </p:clrMapOvr>
+  <p:timing>
+    <p:tnLst>
+      <p:par>
+        <p:cTn id="1" dur="indefinite" restart="never" nodeType="tmRoot"/>
+      </p:par>
+    </p:tnLst>
+  </p:timing>
 </p:sld>
 </file>
 
@@ -13847,6 +13958,13 @@
   <p:clrMapOvr>
     <a:masterClrMapping/>
   </p:clrMapOvr>
+  <p:timing>
+    <p:tnLst>
+      <p:par>
+        <p:cTn id="1" dur="indefinite" restart="never" nodeType="tmRoot"/>
+      </p:par>
+    </p:tnLst>
+  </p:timing>
 </p:sld>
 </file>
 
@@ -14270,6 +14388,13 @@
   <p:clrMapOvr>
     <a:masterClrMapping/>
   </p:clrMapOvr>
+  <p:timing>
+    <p:tnLst>
+      <p:par>
+        <p:cTn id="1" dur="indefinite" restart="never" nodeType="tmRoot"/>
+      </p:par>
+    </p:tnLst>
+  </p:timing>
 </p:sld>
 </file>
 
@@ -14346,6 +14471,13 @@
   <p:clrMapOvr>
     <a:masterClrMapping/>
   </p:clrMapOvr>
+  <p:timing>
+    <p:tnLst>
+      <p:par>
+        <p:cTn id="1" dur="indefinite" restart="never" nodeType="tmRoot"/>
+      </p:par>
+    </p:tnLst>
+  </p:timing>
 </p:sld>
 </file>
 
@@ -14451,6 +14583,13 @@
   <p:clrMapOvr>
     <a:masterClrMapping/>
   </p:clrMapOvr>
+  <p:timing>
+    <p:tnLst>
+      <p:par>
+        <p:cTn id="1" dur="indefinite" restart="never" nodeType="tmRoot"/>
+      </p:par>
+    </p:tnLst>
+  </p:timing>
 </p:sld>
 </file>
 
